--- a/Lectures/Lecture 15/Lecture 15.pptx
+++ b/Lectures/Lecture 15/Lecture 15.pptx
@@ -229,7 +229,7 @@
           <a:p>
             <a:fld id="{467FE51A-BC06-4E6F-B1DA-B477364E598F}" type="datetimeFigureOut">
               <a:rPr lang="en-US" smtClean="0"/>
-              <a:t>2/16/2020</a:t>
+              <a:t>2/17/2020</a:t>
             </a:fld>
             <a:endParaRPr lang="en-US"/>
           </a:p>
@@ -643,7 +643,7 @@
           <a:p>
             <a:fld id="{11C4ABE2-2F1A-4C31-A43A-C3E7CE49CE95}" type="datetimeFigureOut">
               <a:rPr lang="en-US" smtClean="0"/>
-              <a:t>2/16/2020</a:t>
+              <a:t>2/17/2020</a:t>
             </a:fld>
             <a:endParaRPr lang="en-US"/>
           </a:p>
@@ -841,7 +841,7 @@
           <a:p>
             <a:fld id="{11C4ABE2-2F1A-4C31-A43A-C3E7CE49CE95}" type="datetimeFigureOut">
               <a:rPr lang="en-US" smtClean="0"/>
-              <a:t>2/16/2020</a:t>
+              <a:t>2/17/2020</a:t>
             </a:fld>
             <a:endParaRPr lang="en-US"/>
           </a:p>
@@ -1049,7 +1049,7 @@
           <a:p>
             <a:fld id="{11C4ABE2-2F1A-4C31-A43A-C3E7CE49CE95}" type="datetimeFigureOut">
               <a:rPr lang="en-US" smtClean="0"/>
-              <a:t>2/16/2020</a:t>
+              <a:t>2/17/2020</a:t>
             </a:fld>
             <a:endParaRPr lang="en-US"/>
           </a:p>
@@ -1247,7 +1247,7 @@
           <a:p>
             <a:fld id="{11C4ABE2-2F1A-4C31-A43A-C3E7CE49CE95}" type="datetimeFigureOut">
               <a:rPr lang="en-US" smtClean="0"/>
-              <a:t>2/16/2020</a:t>
+              <a:t>2/17/2020</a:t>
             </a:fld>
             <a:endParaRPr lang="en-US"/>
           </a:p>
@@ -1522,7 +1522,7 @@
           <a:p>
             <a:fld id="{11C4ABE2-2F1A-4C31-A43A-C3E7CE49CE95}" type="datetimeFigureOut">
               <a:rPr lang="en-US" smtClean="0"/>
-              <a:t>2/16/2020</a:t>
+              <a:t>2/17/2020</a:t>
             </a:fld>
             <a:endParaRPr lang="en-US"/>
           </a:p>
@@ -1787,7 +1787,7 @@
           <a:p>
             <a:fld id="{11C4ABE2-2F1A-4C31-A43A-C3E7CE49CE95}" type="datetimeFigureOut">
               <a:rPr lang="en-US" smtClean="0"/>
-              <a:t>2/16/2020</a:t>
+              <a:t>2/17/2020</a:t>
             </a:fld>
             <a:endParaRPr lang="en-US"/>
           </a:p>
@@ -2199,7 +2199,7 @@
           <a:p>
             <a:fld id="{11C4ABE2-2F1A-4C31-A43A-C3E7CE49CE95}" type="datetimeFigureOut">
               <a:rPr lang="en-US" smtClean="0"/>
-              <a:t>2/16/2020</a:t>
+              <a:t>2/17/2020</a:t>
             </a:fld>
             <a:endParaRPr lang="en-US"/>
           </a:p>
@@ -2340,7 +2340,7 @@
           <a:p>
             <a:fld id="{11C4ABE2-2F1A-4C31-A43A-C3E7CE49CE95}" type="datetimeFigureOut">
               <a:rPr lang="en-US" smtClean="0"/>
-              <a:t>2/16/2020</a:t>
+              <a:t>2/17/2020</a:t>
             </a:fld>
             <a:endParaRPr lang="en-US"/>
           </a:p>
@@ -2453,7 +2453,7 @@
           <a:p>
             <a:fld id="{11C4ABE2-2F1A-4C31-A43A-C3E7CE49CE95}" type="datetimeFigureOut">
               <a:rPr lang="en-US" smtClean="0"/>
-              <a:t>2/16/2020</a:t>
+              <a:t>2/17/2020</a:t>
             </a:fld>
             <a:endParaRPr lang="en-US"/>
           </a:p>
@@ -2764,7 +2764,7 @@
           <a:p>
             <a:fld id="{11C4ABE2-2F1A-4C31-A43A-C3E7CE49CE95}" type="datetimeFigureOut">
               <a:rPr lang="en-US" smtClean="0"/>
-              <a:t>2/16/2020</a:t>
+              <a:t>2/17/2020</a:t>
             </a:fld>
             <a:endParaRPr lang="en-US"/>
           </a:p>
@@ -3052,7 +3052,7 @@
           <a:p>
             <a:fld id="{11C4ABE2-2F1A-4C31-A43A-C3E7CE49CE95}" type="datetimeFigureOut">
               <a:rPr lang="en-US" smtClean="0"/>
-              <a:t>2/16/2020</a:t>
+              <a:t>2/17/2020</a:t>
             </a:fld>
             <a:endParaRPr lang="en-US"/>
           </a:p>
@@ -3293,7 +3293,7 @@
           <a:p>
             <a:fld id="{11C4ABE2-2F1A-4C31-A43A-C3E7CE49CE95}" type="datetimeFigureOut">
               <a:rPr lang="en-US" smtClean="0"/>
-              <a:t>2/16/2020</a:t>
+              <a:t>2/17/2020</a:t>
             </a:fld>
             <a:endParaRPr lang="en-US"/>
           </a:p>
@@ -6482,8 +6482,8 @@
           </a:p>
         </p:txBody>
       </p:sp>
-      <mc:AlternateContent xmlns:mc="http://schemas.openxmlformats.org/markup-compatibility/2006">
-        <mc:Choice xmlns:a14="http://schemas.microsoft.com/office/drawing/2010/main" Requires="a14">
+      <mc:AlternateContent xmlns:mc="http://schemas.openxmlformats.org/markup-compatibility/2006" xmlns:a14="http://schemas.microsoft.com/office/drawing/2010/main">
+        <mc:Choice Requires="a14">
           <p:sp>
             <p:nvSpPr>
               <p:cNvPr id="36" name="TextBox 35">
@@ -6655,13 +6655,7 @@
                           <a:rPr lang="en-US" sz="2000" b="0" i="1" smtClean="0">
                             <a:latin typeface="Cambria Math" panose="02040503050406030204" pitchFamily="18" charset="0"/>
                           </a:rPr>
-                          <m:t>0</m:t>
-                        </m:r>
-                        <m:r>
-                          <a:rPr lang="en-US" sz="2000" b="0" i="1" smtClean="0">
-                            <a:latin typeface="Cambria Math" panose="02040503050406030204" pitchFamily="18" charset="0"/>
-                          </a:rPr>
-                          <m:t>≤</m:t>
+                          <m:t>0≤</m:t>
                         </m:r>
                         <m:r>
                           <a:rPr lang="en-US" sz="2000" i="1">
@@ -6968,7 +6962,7 @@
             </p:txBody>
           </p:sp>
         </mc:Choice>
-        <mc:Fallback>
+        <mc:Fallback xmlns="">
           <p:sp>
             <p:nvSpPr>
               <p:cNvPr id="36" name="TextBox 35">
@@ -7130,8 +7124,8 @@
           </a:prstGeom>
         </p:spPr>
       </p:pic>
-      <mc:AlternateContent xmlns:mc="http://schemas.openxmlformats.org/markup-compatibility/2006">
-        <mc:Choice xmlns:a14="http://schemas.microsoft.com/office/drawing/2010/main" Requires="a14">
+      <mc:AlternateContent xmlns:mc="http://schemas.openxmlformats.org/markup-compatibility/2006" xmlns:a14="http://schemas.microsoft.com/office/drawing/2010/main">
+        <mc:Choice Requires="a14">
           <p:sp>
             <p:nvSpPr>
               <p:cNvPr id="23" name="TextBox 22">
@@ -7160,7 +7154,6 @@
               </a:bodyPr>
               <a:lstStyle/>
               <a:p>
-                <a:pPr/>
                 <a14:m>
                   <m:oMath xmlns:m="http://schemas.openxmlformats.org/officeDocument/2006/math">
                     <m:r>
@@ -7287,7 +7280,7 @@
             </p:txBody>
           </p:sp>
         </mc:Choice>
-        <mc:Fallback>
+        <mc:Fallback xmlns="">
           <p:sp>
             <p:nvSpPr>
               <p:cNvPr id="23" name="TextBox 22">
@@ -7332,8 +7325,8 @@
           </p:sp>
         </mc:Fallback>
       </mc:AlternateContent>
-      <mc:AlternateContent xmlns:mc="http://schemas.openxmlformats.org/markup-compatibility/2006">
-        <mc:Choice xmlns:a14="http://schemas.microsoft.com/office/drawing/2010/main" Requires="a14">
+      <mc:AlternateContent xmlns:mc="http://schemas.openxmlformats.org/markup-compatibility/2006" xmlns:a14="http://schemas.microsoft.com/office/drawing/2010/main">
+        <mc:Choice Requires="a14">
           <p:sp>
             <p:nvSpPr>
               <p:cNvPr id="30" name="TextBox 29">
@@ -7362,7 +7355,6 @@
               </a:bodyPr>
               <a:lstStyle/>
               <a:p>
-                <a:pPr/>
                 <a14:m>
                   <m:oMath xmlns:m="http://schemas.openxmlformats.org/officeDocument/2006/math">
                     <m:sSubSup>
@@ -7516,7 +7508,7 @@
             </p:txBody>
           </p:sp>
         </mc:Choice>
-        <mc:Fallback>
+        <mc:Fallback xmlns="">
           <p:sp>
             <p:nvSpPr>
               <p:cNvPr id="30" name="TextBox 29">
@@ -7561,8 +7553,8 @@
           </p:sp>
         </mc:Fallback>
       </mc:AlternateContent>
-      <mc:AlternateContent xmlns:mc="http://schemas.openxmlformats.org/markup-compatibility/2006">
-        <mc:Choice xmlns:a14="http://schemas.microsoft.com/office/drawing/2010/main" Requires="a14">
+      <mc:AlternateContent xmlns:mc="http://schemas.openxmlformats.org/markup-compatibility/2006" xmlns:a14="http://schemas.microsoft.com/office/drawing/2010/main">
+        <mc:Choice Requires="a14">
           <p:sp>
             <p:nvSpPr>
               <p:cNvPr id="31" name="TextBox 30">
@@ -7591,7 +7583,6 @@
               </a:bodyPr>
               <a:lstStyle/>
               <a:p>
-                <a:pPr/>
                 <a:r>
                   <a:rPr lang="en-US" sz="2000" b="0" dirty="0"/>
                   <a:t>Minimize	</a:t>
@@ -7858,7 +7849,7 @@
             </p:txBody>
           </p:sp>
         </mc:Choice>
-        <mc:Fallback>
+        <mc:Fallback xmlns="">
           <p:sp>
             <p:nvSpPr>
               <p:cNvPr id="31" name="TextBox 30">
@@ -8673,8 +8664,8 @@
           </a:p>
         </p:txBody>
       </p:sp>
-      <mc:AlternateContent xmlns:mc="http://schemas.openxmlformats.org/markup-compatibility/2006">
-        <mc:Choice xmlns:a14="http://schemas.microsoft.com/office/drawing/2010/main" Requires="a14">
+      <mc:AlternateContent xmlns:mc="http://schemas.openxmlformats.org/markup-compatibility/2006" xmlns:a14="http://schemas.microsoft.com/office/drawing/2010/main">
+        <mc:Choice Requires="a14">
           <p:sp>
             <p:nvSpPr>
               <p:cNvPr id="36" name="TextBox 35">
@@ -9060,7 +9051,7 @@
             </p:txBody>
           </p:sp>
         </mc:Choice>
-        <mc:Fallback>
+        <mc:Fallback xmlns="">
           <p:sp>
             <p:nvSpPr>
               <p:cNvPr id="36" name="TextBox 35">
@@ -9222,8 +9213,8 @@
           </a:prstGeom>
         </p:spPr>
       </p:pic>
-      <mc:AlternateContent xmlns:mc="http://schemas.openxmlformats.org/markup-compatibility/2006">
-        <mc:Choice xmlns:a14="http://schemas.microsoft.com/office/drawing/2010/main" Requires="a14">
+      <mc:AlternateContent xmlns:mc="http://schemas.openxmlformats.org/markup-compatibility/2006" xmlns:a14="http://schemas.microsoft.com/office/drawing/2010/main">
+        <mc:Choice Requires="a14">
           <p:sp>
             <p:nvSpPr>
               <p:cNvPr id="31" name="TextBox 30">
@@ -9252,7 +9243,6 @@
               </a:bodyPr>
               <a:lstStyle/>
               <a:p>
-                <a:pPr/>
                 <a14:m>
                   <m:oMath xmlns:m="http://schemas.openxmlformats.org/officeDocument/2006/math">
                     <m:r>
@@ -9413,7 +9403,7 @@
             </p:txBody>
           </p:sp>
         </mc:Choice>
-        <mc:Fallback>
+        <mc:Fallback xmlns="">
           <p:sp>
             <p:nvSpPr>
               <p:cNvPr id="31" name="TextBox 30">
@@ -10572,8 +10562,8 @@
           </a:prstGeom>
         </p:spPr>
       </p:pic>
-      <mc:AlternateContent xmlns:mc="http://schemas.openxmlformats.org/markup-compatibility/2006">
-        <mc:Choice xmlns:a14="http://schemas.microsoft.com/office/drawing/2010/main" Requires="a14">
+      <mc:AlternateContent xmlns:mc="http://schemas.openxmlformats.org/markup-compatibility/2006" xmlns:a14="http://schemas.microsoft.com/office/drawing/2010/main">
+        <mc:Choice Requires="a14">
           <p:sp>
             <p:nvSpPr>
               <p:cNvPr id="23" name="TextBox 22">
@@ -10602,7 +10592,6 @@
               </a:bodyPr>
               <a:lstStyle/>
               <a:p>
-                <a:pPr/>
                 <a:r>
                   <a:rPr lang="en-US" sz="2000" b="0" dirty="0"/>
                   <a:t>Minimize	</a:t>
@@ -11011,7 +11000,7 @@
             </p:txBody>
           </p:sp>
         </mc:Choice>
-        <mc:Fallback>
+        <mc:Fallback xmlns="">
           <p:sp>
             <p:nvSpPr>
               <p:cNvPr id="23" name="TextBox 22">
@@ -11056,8 +11045,8 @@
           </p:sp>
         </mc:Fallback>
       </mc:AlternateContent>
-      <mc:AlternateContent xmlns:mc="http://schemas.openxmlformats.org/markup-compatibility/2006">
-        <mc:Choice xmlns:a14="http://schemas.microsoft.com/office/drawing/2010/main" Requires="a14">
+      <mc:AlternateContent xmlns:mc="http://schemas.openxmlformats.org/markup-compatibility/2006" xmlns:a14="http://schemas.microsoft.com/office/drawing/2010/main">
+        <mc:Choice Requires="a14">
           <p:sp>
             <p:nvSpPr>
               <p:cNvPr id="29" name="TextBox 28">
@@ -11086,7 +11075,6 @@
               </a:bodyPr>
               <a:lstStyle/>
               <a:p>
-                <a:pPr/>
                 <a:r>
                   <a:rPr lang="en-US" sz="2000" b="0" dirty="0"/>
                   <a:t>Minimize	</a:t>
@@ -11507,7 +11495,7 @@
             </p:txBody>
           </p:sp>
         </mc:Choice>
-        <mc:Fallback>
+        <mc:Fallback xmlns="">
           <p:sp>
             <p:nvSpPr>
               <p:cNvPr id="29" name="TextBox 28">
@@ -12483,8 +12471,8 @@
           </a:prstGeom>
         </p:spPr>
       </p:pic>
-      <mc:AlternateContent xmlns:mc="http://schemas.openxmlformats.org/markup-compatibility/2006">
-        <mc:Choice xmlns:a14="http://schemas.microsoft.com/office/drawing/2010/main" Requires="a14">
+      <mc:AlternateContent xmlns:mc="http://schemas.openxmlformats.org/markup-compatibility/2006" xmlns:a14="http://schemas.microsoft.com/office/drawing/2010/main">
+        <mc:Choice Requires="a14">
           <p:sp>
             <p:nvSpPr>
               <p:cNvPr id="30" name="TextBox 29">
@@ -12513,7 +12501,6 @@
               </a:bodyPr>
               <a:lstStyle/>
               <a:p>
-                <a:pPr/>
                 <a:r>
                   <a:rPr lang="en-US" sz="2000" b="0" dirty="0">
                     <a:latin typeface="Corbel" panose="020B0503020204020204" pitchFamily="34" charset="0"/>
@@ -12926,13 +12913,11 @@
                 </a:endParaRPr>
               </a:p>
               <a:p>
-                <a:pPr/>
                 <a:endParaRPr lang="en-US" sz="2000" dirty="0">
                   <a:latin typeface="Corbel" panose="020B0503020204020204" pitchFamily="34" charset="0"/>
                 </a:endParaRPr>
               </a:p>
               <a:p>
-                <a:pPr/>
                 <a:r>
                   <a:rPr lang="en-US" sz="2000" dirty="0">
                     <a:latin typeface="Corbel" panose="020B0503020204020204" pitchFamily="34" charset="0"/>
@@ -13459,19 +13444,7 @@
                       <a:rPr lang="en-US" sz="2000" i="1">
                         <a:latin typeface="Cambria Math" panose="02040503050406030204" pitchFamily="18" charset="0"/>
                       </a:rPr>
-                      <m:t>=</m:t>
-                    </m:r>
-                    <m:r>
-                      <a:rPr lang="en-US" sz="2000" i="1">
-                        <a:latin typeface="Cambria Math" panose="02040503050406030204" pitchFamily="18" charset="0"/>
-                      </a:rPr>
-                      <m:t>1</m:t>
-                    </m:r>
-                    <m:r>
-                      <a:rPr lang="en-US" sz="2000" i="1">
-                        <a:latin typeface="Cambria Math" panose="02040503050406030204" pitchFamily="18" charset="0"/>
-                      </a:rPr>
-                      <m:t>0</m:t>
+                      <m:t>=10</m:t>
                     </m:r>
                   </m:oMath>
                 </a14:m>
@@ -13625,19 +13598,7 @@
                       <a:rPr lang="en-US" sz="2000" i="1">
                         <a:latin typeface="Cambria Math" panose="02040503050406030204" pitchFamily="18" charset="0"/>
                       </a:rPr>
-                      <m:t>=</m:t>
-                    </m:r>
-                    <m:r>
-                      <a:rPr lang="en-US" sz="2000" i="1">
-                        <a:latin typeface="Cambria Math" panose="02040503050406030204" pitchFamily="18" charset="0"/>
-                      </a:rPr>
-                      <m:t>2</m:t>
-                    </m:r>
-                    <m:r>
-                      <a:rPr lang="en-US" sz="2000" i="1">
-                        <a:latin typeface="Cambria Math" panose="02040503050406030204" pitchFamily="18" charset="0"/>
-                      </a:rPr>
-                      <m:t>0</m:t>
+                      <m:t>=20</m:t>
                     </m:r>
                   </m:oMath>
                 </a14:m>
@@ -14089,7 +14050,7 @@
             </p:txBody>
           </p:sp>
         </mc:Choice>
-        <mc:Fallback>
+        <mc:Fallback xmlns="">
           <p:sp>
             <p:nvSpPr>
               <p:cNvPr id="30" name="TextBox 29">
@@ -15943,8 +15904,8 @@
           </a:p>
         </p:txBody>
       </p:sp>
-      <mc:AlternateContent xmlns:mc="http://schemas.openxmlformats.org/markup-compatibility/2006">
-        <mc:Choice xmlns:a14="http://schemas.microsoft.com/office/drawing/2010/main" Requires="a14">
+      <mc:AlternateContent xmlns:mc="http://schemas.openxmlformats.org/markup-compatibility/2006" xmlns:a14="http://schemas.microsoft.com/office/drawing/2010/main">
+        <mc:Choice Requires="a14">
           <p:sp>
             <p:nvSpPr>
               <p:cNvPr id="36" name="TextBox 35">
@@ -16511,7 +16472,7 @@
             </p:txBody>
           </p:sp>
         </mc:Choice>
-        <mc:Fallback>
+        <mc:Fallback xmlns="">
           <p:sp>
             <p:nvSpPr>
               <p:cNvPr id="36" name="TextBox 35">
@@ -16673,8 +16634,8 @@
           </a:prstGeom>
         </p:spPr>
       </p:pic>
-      <mc:AlternateContent xmlns:mc="http://schemas.openxmlformats.org/markup-compatibility/2006">
-        <mc:Choice xmlns:a14="http://schemas.microsoft.com/office/drawing/2010/main" Requires="a14">
+      <mc:AlternateContent xmlns:mc="http://schemas.openxmlformats.org/markup-compatibility/2006" xmlns:a14="http://schemas.microsoft.com/office/drawing/2010/main">
+        <mc:Choice Requires="a14">
           <p:sp>
             <p:nvSpPr>
               <p:cNvPr id="23" name="TextBox 22">
@@ -17158,7 +17119,7 @@
             </p:txBody>
           </p:sp>
         </mc:Choice>
-        <mc:Fallback>
+        <mc:Fallback xmlns="">
           <p:sp>
             <p:nvSpPr>
               <p:cNvPr id="23" name="TextBox 22">
@@ -17973,8 +17934,8 @@
           </a:p>
         </p:txBody>
       </p:sp>
-      <mc:AlternateContent xmlns:mc="http://schemas.openxmlformats.org/markup-compatibility/2006">
-        <mc:Choice xmlns:a14="http://schemas.microsoft.com/office/drawing/2010/main" Requires="a14">
+      <mc:AlternateContent xmlns:mc="http://schemas.openxmlformats.org/markup-compatibility/2006" xmlns:a14="http://schemas.microsoft.com/office/drawing/2010/main">
+        <mc:Choice Requires="a14">
           <p:sp>
             <p:nvSpPr>
               <p:cNvPr id="36" name="TextBox 35">
@@ -18169,7 +18130,7 @@
             </p:txBody>
           </p:sp>
         </mc:Choice>
-        <mc:Fallback>
+        <mc:Fallback xmlns="">
           <p:sp>
             <p:nvSpPr>
               <p:cNvPr id="36" name="TextBox 35">
@@ -18331,8 +18292,8 @@
           </a:prstGeom>
         </p:spPr>
       </p:pic>
-      <mc:AlternateContent xmlns:mc="http://schemas.openxmlformats.org/markup-compatibility/2006">
-        <mc:Choice xmlns:a14="http://schemas.microsoft.com/office/drawing/2010/main" Requires="a14">
+      <mc:AlternateContent xmlns:mc="http://schemas.openxmlformats.org/markup-compatibility/2006" xmlns:a14="http://schemas.microsoft.com/office/drawing/2010/main">
+        <mc:Choice Requires="a14">
           <p:sp>
             <p:nvSpPr>
               <p:cNvPr id="29" name="TextBox 28">
@@ -18361,7 +18322,6 @@
               </a:bodyPr>
               <a:lstStyle/>
               <a:p>
-                <a:pPr/>
                 <a:r>
                   <a:rPr lang="en-US" sz="2000" b="0" dirty="0">
                     <a:latin typeface="Corbel" panose="020B0503020204020204" pitchFamily="34" charset="0"/>
@@ -18410,13 +18370,11 @@
                 </a:endParaRPr>
               </a:p>
               <a:p>
-                <a:pPr/>
                 <a:endParaRPr lang="en-US" sz="2000" dirty="0">
                   <a:latin typeface="Corbel" panose="020B0503020204020204" pitchFamily="34" charset="0"/>
                 </a:endParaRPr>
               </a:p>
               <a:p>
-                <a:pPr/>
                 <a:r>
                   <a:rPr lang="en-US" sz="2000" dirty="0">
                     <a:latin typeface="Corbel" panose="020B0503020204020204" pitchFamily="34" charset="0"/>
@@ -18943,19 +18901,7 @@
                       <a:rPr lang="en-US" sz="2000" i="1">
                         <a:latin typeface="Cambria Math" panose="02040503050406030204" pitchFamily="18" charset="0"/>
                       </a:rPr>
-                      <m:t>=</m:t>
-                    </m:r>
-                    <m:r>
-                      <a:rPr lang="en-US" sz="2000" i="1">
-                        <a:latin typeface="Cambria Math" panose="02040503050406030204" pitchFamily="18" charset="0"/>
-                      </a:rPr>
-                      <m:t>1</m:t>
-                    </m:r>
-                    <m:r>
-                      <a:rPr lang="en-US" sz="2000" i="1">
-                        <a:latin typeface="Cambria Math" panose="02040503050406030204" pitchFamily="18" charset="0"/>
-                      </a:rPr>
-                      <m:t>0</m:t>
+                      <m:t>=10</m:t>
                     </m:r>
                   </m:oMath>
                 </a14:m>
@@ -19109,19 +19055,7 @@
                       <a:rPr lang="en-US" sz="2000" i="1">
                         <a:latin typeface="Cambria Math" panose="02040503050406030204" pitchFamily="18" charset="0"/>
                       </a:rPr>
-                      <m:t>=</m:t>
-                    </m:r>
-                    <m:r>
-                      <a:rPr lang="en-US" sz="2000" i="1">
-                        <a:latin typeface="Cambria Math" panose="02040503050406030204" pitchFamily="18" charset="0"/>
-                      </a:rPr>
-                      <m:t>2</m:t>
-                    </m:r>
-                    <m:r>
-                      <a:rPr lang="en-US" sz="2000" i="1">
-                        <a:latin typeface="Cambria Math" panose="02040503050406030204" pitchFamily="18" charset="0"/>
-                      </a:rPr>
-                      <m:t>0</m:t>
+                      <m:t>=20</m:t>
                     </m:r>
                   </m:oMath>
                 </a14:m>
@@ -19585,7 +19519,7 @@
             </p:txBody>
           </p:sp>
         </mc:Choice>
-        <mc:Fallback>
+        <mc:Fallback xmlns="">
           <p:sp>
             <p:nvSpPr>
               <p:cNvPr id="29" name="TextBox 28">
@@ -20400,8 +20334,8 @@
           </a:p>
         </p:txBody>
       </p:sp>
-      <mc:AlternateContent xmlns:mc="http://schemas.openxmlformats.org/markup-compatibility/2006">
-        <mc:Choice xmlns:a14="http://schemas.microsoft.com/office/drawing/2010/main" Requires="a14">
+      <mc:AlternateContent xmlns:mc="http://schemas.openxmlformats.org/markup-compatibility/2006" xmlns:a14="http://schemas.microsoft.com/office/drawing/2010/main">
+        <mc:Choice Requires="a14">
           <p:sp>
             <p:nvSpPr>
               <p:cNvPr id="36" name="TextBox 35">
@@ -20714,7 +20648,7 @@
             </p:txBody>
           </p:sp>
         </mc:Choice>
-        <mc:Fallback>
+        <mc:Fallback xmlns="">
           <p:sp>
             <p:nvSpPr>
               <p:cNvPr id="36" name="TextBox 35">
@@ -20876,8 +20810,8 @@
           </a:prstGeom>
         </p:spPr>
       </p:pic>
-      <mc:AlternateContent xmlns:mc="http://schemas.openxmlformats.org/markup-compatibility/2006">
-        <mc:Choice xmlns:a14="http://schemas.microsoft.com/office/drawing/2010/main" Requires="a14">
+      <mc:AlternateContent xmlns:mc="http://schemas.openxmlformats.org/markup-compatibility/2006" xmlns:a14="http://schemas.microsoft.com/office/drawing/2010/main">
+        <mc:Choice Requires="a14">
           <p:sp>
             <p:nvSpPr>
               <p:cNvPr id="23" name="TextBox 22">
@@ -21361,7 +21295,7 @@
             </p:txBody>
           </p:sp>
         </mc:Choice>
-        <mc:Fallback>
+        <mc:Fallback xmlns="">
           <p:sp>
             <p:nvSpPr>
               <p:cNvPr id="23" name="TextBox 22">
@@ -22176,8 +22110,8 @@
           </a:p>
         </p:txBody>
       </p:sp>
-      <mc:AlternateContent xmlns:mc="http://schemas.openxmlformats.org/markup-compatibility/2006">
-        <mc:Choice xmlns:a14="http://schemas.microsoft.com/office/drawing/2010/main" Requires="a14">
+      <mc:AlternateContent xmlns:mc="http://schemas.openxmlformats.org/markup-compatibility/2006" xmlns:a14="http://schemas.microsoft.com/office/drawing/2010/main">
+        <mc:Choice Requires="a14">
           <p:sp>
             <p:nvSpPr>
               <p:cNvPr id="36" name="TextBox 35">
@@ -22394,7 +22328,7 @@
             </p:txBody>
           </p:sp>
         </mc:Choice>
-        <mc:Fallback>
+        <mc:Fallback xmlns="">
           <p:sp>
             <p:nvSpPr>
               <p:cNvPr id="36" name="TextBox 35">
@@ -22556,8 +22490,8 @@
           </a:prstGeom>
         </p:spPr>
       </p:pic>
-      <mc:AlternateContent xmlns:mc="http://schemas.openxmlformats.org/markup-compatibility/2006">
-        <mc:Choice xmlns:a14="http://schemas.microsoft.com/office/drawing/2010/main" Requires="a14">
+      <mc:AlternateContent xmlns:mc="http://schemas.openxmlformats.org/markup-compatibility/2006" xmlns:a14="http://schemas.microsoft.com/office/drawing/2010/main">
+        <mc:Choice Requires="a14">
           <p:sp>
             <p:nvSpPr>
               <p:cNvPr id="29" name="TextBox 28">
@@ -22586,7 +22520,6 @@
               </a:bodyPr>
               <a:lstStyle/>
               <a:p>
-                <a:pPr/>
                 <a:r>
                   <a:rPr lang="en-US" sz="2000" b="0" dirty="0">
                     <a:latin typeface="Corbel" panose="020B0503020204020204" pitchFamily="34" charset="0"/>
@@ -22693,13 +22626,11 @@
                 </a:endParaRPr>
               </a:p>
               <a:p>
-                <a:pPr/>
                 <a:endParaRPr lang="en-US" sz="2000" dirty="0">
                   <a:latin typeface="Corbel" panose="020B0503020204020204" pitchFamily="34" charset="0"/>
                 </a:endParaRPr>
               </a:p>
               <a:p>
-                <a:pPr/>
                 <a:r>
                   <a:rPr lang="en-US" sz="2000" dirty="0">
                     <a:latin typeface="Corbel" panose="020B0503020204020204" pitchFamily="34" charset="0"/>
@@ -23226,19 +23157,7 @@
                       <a:rPr lang="en-US" sz="2000" i="1">
                         <a:latin typeface="Cambria Math" panose="02040503050406030204" pitchFamily="18" charset="0"/>
                       </a:rPr>
-                      <m:t>=</m:t>
-                    </m:r>
-                    <m:r>
-                      <a:rPr lang="en-US" sz="2000" i="1">
-                        <a:latin typeface="Cambria Math" panose="02040503050406030204" pitchFamily="18" charset="0"/>
-                      </a:rPr>
-                      <m:t>1</m:t>
-                    </m:r>
-                    <m:r>
-                      <a:rPr lang="en-US" sz="2000" i="1">
-                        <a:latin typeface="Cambria Math" panose="02040503050406030204" pitchFamily="18" charset="0"/>
-                      </a:rPr>
-                      <m:t>0</m:t>
+                      <m:t>=10</m:t>
                     </m:r>
                   </m:oMath>
                 </a14:m>
@@ -23392,19 +23311,7 @@
                       <a:rPr lang="en-US" sz="2000" i="1">
                         <a:latin typeface="Cambria Math" panose="02040503050406030204" pitchFamily="18" charset="0"/>
                       </a:rPr>
-                      <m:t>=</m:t>
-                    </m:r>
-                    <m:r>
-                      <a:rPr lang="en-US" sz="2000" i="1">
-                        <a:latin typeface="Cambria Math" panose="02040503050406030204" pitchFamily="18" charset="0"/>
-                      </a:rPr>
-                      <m:t>2</m:t>
-                    </m:r>
-                    <m:r>
-                      <a:rPr lang="en-US" sz="2000" i="1">
-                        <a:latin typeface="Cambria Math" panose="02040503050406030204" pitchFamily="18" charset="0"/>
-                      </a:rPr>
-                      <m:t>0</m:t>
+                      <m:t>=20</m:t>
                     </m:r>
                   </m:oMath>
                 </a14:m>
@@ -23918,7 +23825,7 @@
             </p:txBody>
           </p:sp>
         </mc:Choice>
-        <mc:Fallback>
+        <mc:Fallback xmlns="">
           <p:sp>
             <p:nvSpPr>
               <p:cNvPr id="29" name="TextBox 28">
@@ -25240,15 +25147,6 @@
                   </a:rPr>
                   <a:t>Pounds of clay: </a:t>
                 </a:r>
-                <a:r>
-                  <a:rPr lang="en-US" sz="2000" dirty="0">
-                    <a:solidFill>
-                      <a:srgbClr val="404040"/>
-                    </a:solidFill>
-                    <a:latin typeface="Corbel" panose="020B0503020204020204" pitchFamily="34" charset="0"/>
-                  </a:rPr>
-                  <a:t>: </a:t>
-                </a:r>
                 <a14:m>
                   <m:oMath xmlns:m="http://schemas.openxmlformats.org/officeDocument/2006/math">
                     <m:r>
@@ -25307,13 +25205,7 @@
                       <a:rPr lang="en-US" sz="2000" i="1">
                         <a:latin typeface="Cambria Math" panose="02040503050406030204" pitchFamily="18" charset="0"/>
                       </a:rPr>
-                      <m:t>=</m:t>
-                    </m:r>
-                    <m:r>
-                      <a:rPr lang="en-US" sz="2000" i="1">
-                        <a:latin typeface="Cambria Math" panose="02040503050406030204" pitchFamily="18" charset="0"/>
-                      </a:rPr>
-                      <m:t>1</m:t>
+                      <m:t>=1</m:t>
                     </m:r>
                     <m:r>
                       <a:rPr lang="en-US" sz="2000" b="0" i="1" smtClean="0">
@@ -25687,8 +25579,8 @@
           </a:prstGeom>
         </p:spPr>
       </p:pic>
-      <mc:AlternateContent xmlns:mc="http://schemas.openxmlformats.org/markup-compatibility/2006">
-        <mc:Choice xmlns:a14="http://schemas.microsoft.com/office/drawing/2010/main" Requires="a14">
+      <mc:AlternateContent xmlns:mc="http://schemas.openxmlformats.org/markup-compatibility/2006" xmlns:a14="http://schemas.microsoft.com/office/drawing/2010/main">
+        <mc:Choice Requires="a14">
           <p:sp>
             <p:nvSpPr>
               <p:cNvPr id="23" name="TextBox 22">
@@ -26172,7 +26064,7 @@
             </p:txBody>
           </p:sp>
         </mc:Choice>
-        <mc:Fallback>
+        <mc:Fallback xmlns="">
           <p:sp>
             <p:nvSpPr>
               <p:cNvPr id="23" name="TextBox 22">
@@ -28244,8 +28136,8 @@
           </a:prstGeom>
         </p:spPr>
       </p:pic>
-      <mc:AlternateContent xmlns:mc="http://schemas.openxmlformats.org/markup-compatibility/2006">
-        <mc:Choice xmlns:a14="http://schemas.microsoft.com/office/drawing/2010/main" Requires="a14">
+      <mc:AlternateContent xmlns:mc="http://schemas.openxmlformats.org/markup-compatibility/2006" xmlns:a14="http://schemas.microsoft.com/office/drawing/2010/main">
+        <mc:Choice Requires="a14">
           <p:sp>
             <p:nvSpPr>
               <p:cNvPr id="30" name="TextBox 29">
@@ -28274,7 +28166,6 @@
               </a:bodyPr>
               <a:lstStyle/>
               <a:p>
-                <a:pPr/>
                 <a:r>
                   <a:rPr lang="en-US" sz="2000" b="0" dirty="0">
                     <a:latin typeface="Corbel" panose="020B0503020204020204" pitchFamily="34" charset="0"/>
@@ -28687,13 +28578,11 @@
                 </a:endParaRPr>
               </a:p>
               <a:p>
-                <a:pPr/>
                 <a:endParaRPr lang="en-US" sz="2000" dirty="0">
                   <a:latin typeface="Corbel" panose="020B0503020204020204" pitchFamily="34" charset="0"/>
                 </a:endParaRPr>
               </a:p>
               <a:p>
-                <a:pPr/>
                 <a:r>
                   <a:rPr lang="en-US" sz="2000" dirty="0">
                     <a:latin typeface="Corbel" panose="020B0503020204020204" pitchFamily="34" charset="0"/>
@@ -29220,19 +29109,7 @@
                       <a:rPr lang="en-US" sz="2000" i="1">
                         <a:latin typeface="Cambria Math" panose="02040503050406030204" pitchFamily="18" charset="0"/>
                       </a:rPr>
-                      <m:t>=</m:t>
-                    </m:r>
-                    <m:r>
-                      <a:rPr lang="en-US" sz="2000" i="1">
-                        <a:latin typeface="Cambria Math" panose="02040503050406030204" pitchFamily="18" charset="0"/>
-                      </a:rPr>
-                      <m:t>1</m:t>
-                    </m:r>
-                    <m:r>
-                      <a:rPr lang="en-US" sz="2000" i="1">
-                        <a:latin typeface="Cambria Math" panose="02040503050406030204" pitchFamily="18" charset="0"/>
-                      </a:rPr>
-                      <m:t>0</m:t>
+                      <m:t>=10</m:t>
                     </m:r>
                   </m:oMath>
                 </a14:m>
@@ -29386,19 +29263,7 @@
                       <a:rPr lang="en-US" sz="2000" i="1">
                         <a:latin typeface="Cambria Math" panose="02040503050406030204" pitchFamily="18" charset="0"/>
                       </a:rPr>
-                      <m:t>=</m:t>
-                    </m:r>
-                    <m:r>
-                      <a:rPr lang="en-US" sz="2000" i="1">
-                        <a:latin typeface="Cambria Math" panose="02040503050406030204" pitchFamily="18" charset="0"/>
-                      </a:rPr>
-                      <m:t>2</m:t>
-                    </m:r>
-                    <m:r>
-                      <a:rPr lang="en-US" sz="2000" i="1">
-                        <a:latin typeface="Cambria Math" panose="02040503050406030204" pitchFamily="18" charset="0"/>
-                      </a:rPr>
-                      <m:t>0</m:t>
+                      <m:t>=20</m:t>
                     </m:r>
                   </m:oMath>
                 </a14:m>
@@ -29856,7 +29721,7 @@
             </p:txBody>
           </p:sp>
         </mc:Choice>
-        <mc:Fallback>
+        <mc:Fallback xmlns="">
           <p:sp>
             <p:nvSpPr>
               <p:cNvPr id="30" name="TextBox 29">
@@ -31407,8 +31272,8 @@
           </a:p>
         </p:txBody>
       </p:sp>
-      <mc:AlternateContent xmlns:mc="http://schemas.openxmlformats.org/markup-compatibility/2006">
-        <mc:Choice xmlns:a14="http://schemas.microsoft.com/office/drawing/2010/main" Requires="a14">
+      <mc:AlternateContent xmlns:mc="http://schemas.openxmlformats.org/markup-compatibility/2006" xmlns:a14="http://schemas.microsoft.com/office/drawing/2010/main">
+        <mc:Choice Requires="a14">
           <p:sp>
             <p:nvSpPr>
               <p:cNvPr id="36" name="TextBox 35">
@@ -31708,7 +31573,7 @@
             </p:txBody>
           </p:sp>
         </mc:Choice>
-        <mc:Fallback>
+        <mc:Fallback xmlns="">
           <p:sp>
             <p:nvSpPr>
               <p:cNvPr id="36" name="TextBox 35">
@@ -31870,8 +31735,8 @@
           </a:prstGeom>
         </p:spPr>
       </p:pic>
-      <mc:AlternateContent xmlns:mc="http://schemas.openxmlformats.org/markup-compatibility/2006">
-        <mc:Choice xmlns:a14="http://schemas.microsoft.com/office/drawing/2010/main" Requires="a14">
+      <mc:AlternateContent xmlns:mc="http://schemas.openxmlformats.org/markup-compatibility/2006" xmlns:a14="http://schemas.microsoft.com/office/drawing/2010/main">
+        <mc:Choice Requires="a14">
           <p:sp>
             <p:nvSpPr>
               <p:cNvPr id="23" name="TextBox 22">
@@ -31900,7 +31765,6 @@
               </a:bodyPr>
               <a:lstStyle/>
               <a:p>
-                <a:pPr/>
                 <a:r>
                   <a:rPr lang="en-US" sz="2000" b="0" dirty="0">
                     <a:latin typeface="Corbel" panose="020B0503020204020204" pitchFamily="34" charset="0"/>
@@ -31942,7 +31806,6 @@
                 <a:endParaRPr lang="en-US" sz="2000" b="0" dirty="0"/>
               </a:p>
               <a:p>
-                <a:pPr/>
                 <a:endParaRPr lang="en-US" sz="2000" b="0" dirty="0"/>
               </a:p>
               <a:p>
@@ -32113,11 +31976,9 @@
                 <a:endParaRPr lang="en-US" sz="2000" dirty="0"/>
               </a:p>
               <a:p>
-                <a:pPr/>
                 <a:endParaRPr lang="en-US" dirty="0"/>
               </a:p>
               <a:p>
-                <a:pPr/>
                 <a:r>
                   <a:rPr lang="en-US" dirty="0"/>
                   <a:t>	</a:t>
@@ -32126,7 +31987,7 @@
             </p:txBody>
           </p:sp>
         </mc:Choice>
-        <mc:Fallback>
+        <mc:Fallback xmlns="">
           <p:sp>
             <p:nvSpPr>
               <p:cNvPr id="23" name="TextBox 22">
@@ -34082,8 +33943,8 @@
           </a:p>
         </p:txBody>
       </p:sp>
-      <mc:AlternateContent xmlns:mc="http://schemas.openxmlformats.org/markup-compatibility/2006">
-        <mc:Choice xmlns:a14="http://schemas.microsoft.com/office/drawing/2010/main" Requires="a14">
+      <mc:AlternateContent xmlns:mc="http://schemas.openxmlformats.org/markup-compatibility/2006" xmlns:a14="http://schemas.microsoft.com/office/drawing/2010/main">
+        <mc:Choice Requires="a14">
           <p:sp>
             <p:nvSpPr>
               <p:cNvPr id="36" name="TextBox 35">
@@ -34594,7 +34455,7 @@
                     <m:sSubSup>
                       <m:sSubSupPr>
                         <m:ctrlPr>
-                          <a:rPr lang="en-US" sz="2000" b="0" i="0" smtClean="0">
+                          <a:rPr lang="en-US" sz="2000" b="0" i="1" smtClean="0">
                             <a:solidFill>
                               <a:srgbClr val="404040"/>
                             </a:solidFill>
@@ -34785,7 +34646,7 @@
             </p:txBody>
           </p:sp>
         </mc:Choice>
-        <mc:Fallback>
+        <mc:Fallback xmlns="">
           <p:sp>
             <p:nvSpPr>
               <p:cNvPr id="36" name="TextBox 35">
@@ -34947,8 +34808,8 @@
           </a:prstGeom>
         </p:spPr>
       </p:pic>
-      <mc:AlternateContent xmlns:mc="http://schemas.openxmlformats.org/markup-compatibility/2006">
-        <mc:Choice xmlns:a14="http://schemas.microsoft.com/office/drawing/2010/main" Requires="a14">
+      <mc:AlternateContent xmlns:mc="http://schemas.openxmlformats.org/markup-compatibility/2006" xmlns:a14="http://schemas.microsoft.com/office/drawing/2010/main">
+        <mc:Choice Requires="a14">
           <p:sp>
             <p:nvSpPr>
               <p:cNvPr id="23" name="TextBox 22">
@@ -34977,7 +34838,6 @@
               </a:bodyPr>
               <a:lstStyle/>
               <a:p>
-                <a:pPr/>
                 <a14:m>
                   <m:oMath xmlns:m="http://schemas.openxmlformats.org/officeDocument/2006/math">
                     <m:r>
@@ -35104,7 +34964,7 @@
             </p:txBody>
           </p:sp>
         </mc:Choice>
-        <mc:Fallback>
+        <mc:Fallback xmlns="">
           <p:sp>
             <p:nvSpPr>
               <p:cNvPr id="23" name="TextBox 22">
@@ -35149,8 +35009,8 @@
           </p:sp>
         </mc:Fallback>
       </mc:AlternateContent>
-      <mc:AlternateContent xmlns:mc="http://schemas.openxmlformats.org/markup-compatibility/2006">
-        <mc:Choice xmlns:a14="http://schemas.microsoft.com/office/drawing/2010/main" Requires="a14">
+      <mc:AlternateContent xmlns:mc="http://schemas.openxmlformats.org/markup-compatibility/2006" xmlns:a14="http://schemas.microsoft.com/office/drawing/2010/main">
+        <mc:Choice Requires="a14">
           <p:sp>
             <p:nvSpPr>
               <p:cNvPr id="29" name="TextBox 28">
@@ -35179,7 +35039,6 @@
               </a:bodyPr>
               <a:lstStyle/>
               <a:p>
-                <a:pPr/>
                 <a:r>
                   <a:rPr lang="en-US" sz="2000" b="0" dirty="0"/>
                   <a:t>Minimize	</a:t>
@@ -35254,7 +35113,7 @@
             </p:txBody>
           </p:sp>
         </mc:Choice>
-        <mc:Fallback>
+        <mc:Fallback xmlns="">
           <p:sp>
             <p:nvSpPr>
               <p:cNvPr id="29" name="TextBox 28">
@@ -36069,8 +35928,8 @@
           </a:p>
         </p:txBody>
       </p:sp>
-      <mc:AlternateContent xmlns:mc="http://schemas.openxmlformats.org/markup-compatibility/2006">
-        <mc:Choice xmlns:a14="http://schemas.microsoft.com/office/drawing/2010/main" Requires="a14">
+      <mc:AlternateContent xmlns:mc="http://schemas.openxmlformats.org/markup-compatibility/2006" xmlns:a14="http://schemas.microsoft.com/office/drawing/2010/main">
+        <mc:Choice Requires="a14">
           <p:sp>
             <p:nvSpPr>
               <p:cNvPr id="36" name="TextBox 35">
@@ -36405,7 +36264,7 @@
                     <m:sSubSup>
                       <m:sSubSupPr>
                         <m:ctrlPr>
-                          <a:rPr lang="en-US" sz="2000" b="0" i="0" smtClean="0">
+                          <a:rPr lang="en-US" sz="2000" b="0" i="1" smtClean="0">
                             <a:solidFill>
                               <a:srgbClr val="404040"/>
                             </a:solidFill>
@@ -36583,7 +36442,7 @@
             </p:txBody>
           </p:sp>
         </mc:Choice>
-        <mc:Fallback>
+        <mc:Fallback xmlns="">
           <p:sp>
             <p:nvSpPr>
               <p:cNvPr id="36" name="TextBox 35">
@@ -36745,8 +36604,8 @@
           </a:prstGeom>
         </p:spPr>
       </p:pic>
-      <mc:AlternateContent xmlns:mc="http://schemas.openxmlformats.org/markup-compatibility/2006">
-        <mc:Choice xmlns:a14="http://schemas.microsoft.com/office/drawing/2010/main" Requires="a14">
+      <mc:AlternateContent xmlns:mc="http://schemas.openxmlformats.org/markup-compatibility/2006" xmlns:a14="http://schemas.microsoft.com/office/drawing/2010/main">
+        <mc:Choice Requires="a14">
           <p:sp>
             <p:nvSpPr>
               <p:cNvPr id="23" name="TextBox 22">
@@ -36775,7 +36634,6 @@
               </a:bodyPr>
               <a:lstStyle/>
               <a:p>
-                <a:pPr/>
                 <a14:m>
                   <m:oMath xmlns:m="http://schemas.openxmlformats.org/officeDocument/2006/math">
                     <m:r>
@@ -36908,7 +36766,7 @@
             </p:txBody>
           </p:sp>
         </mc:Choice>
-        <mc:Fallback>
+        <mc:Fallback xmlns="">
           <p:sp>
             <p:nvSpPr>
               <p:cNvPr id="23" name="TextBox 22">
@@ -36953,8 +36811,8 @@
           </p:sp>
         </mc:Fallback>
       </mc:AlternateContent>
-      <mc:AlternateContent xmlns:mc="http://schemas.openxmlformats.org/markup-compatibility/2006">
-        <mc:Choice xmlns:a14="http://schemas.microsoft.com/office/drawing/2010/main" Requires="a14">
+      <mc:AlternateContent xmlns:mc="http://schemas.openxmlformats.org/markup-compatibility/2006" xmlns:a14="http://schemas.microsoft.com/office/drawing/2010/main">
+        <mc:Choice Requires="a14">
           <p:sp>
             <p:nvSpPr>
               <p:cNvPr id="29" name="TextBox 28">
@@ -36983,7 +36841,6 @@
               </a:bodyPr>
               <a:lstStyle/>
               <a:p>
-                <a:pPr/>
                 <a:r>
                   <a:rPr lang="en-US" sz="2000" b="0" dirty="0"/>
                   <a:t>Minimize	</a:t>
@@ -37122,7 +36979,7 @@
             </p:txBody>
           </p:sp>
         </mc:Choice>
-        <mc:Fallback>
+        <mc:Fallback xmlns="">
           <p:sp>
             <p:nvSpPr>
               <p:cNvPr id="29" name="TextBox 28">
@@ -37937,8 +37794,8 @@
           </a:p>
         </p:txBody>
       </p:sp>
-      <mc:AlternateContent xmlns:mc="http://schemas.openxmlformats.org/markup-compatibility/2006">
-        <mc:Choice xmlns:a14="http://schemas.microsoft.com/office/drawing/2010/main" Requires="a14">
+      <mc:AlternateContent xmlns:mc="http://schemas.openxmlformats.org/markup-compatibility/2006" xmlns:a14="http://schemas.microsoft.com/office/drawing/2010/main">
+        <mc:Choice Requires="a14">
           <p:sp>
             <p:nvSpPr>
               <p:cNvPr id="36" name="TextBox 35">
@@ -38375,7 +38232,7 @@
                     <m:sSubSup>
                       <m:sSubSupPr>
                         <m:ctrlPr>
-                          <a:rPr lang="en-US" sz="2000" b="0" i="0" smtClean="0">
+                          <a:rPr lang="en-US" sz="2000" b="0" i="1" smtClean="0">
                             <a:solidFill>
                               <a:srgbClr val="404040"/>
                             </a:solidFill>
@@ -38447,7 +38304,7 @@
             </p:txBody>
           </p:sp>
         </mc:Choice>
-        <mc:Fallback>
+        <mc:Fallback xmlns="">
           <p:sp>
             <p:nvSpPr>
               <p:cNvPr id="36" name="TextBox 35">
@@ -38609,8 +38466,8 @@
           </a:prstGeom>
         </p:spPr>
       </p:pic>
-      <mc:AlternateContent xmlns:mc="http://schemas.openxmlformats.org/markup-compatibility/2006">
-        <mc:Choice xmlns:a14="http://schemas.microsoft.com/office/drawing/2010/main" Requires="a14">
+      <mc:AlternateContent xmlns:mc="http://schemas.openxmlformats.org/markup-compatibility/2006" xmlns:a14="http://schemas.microsoft.com/office/drawing/2010/main">
+        <mc:Choice Requires="a14">
           <p:sp>
             <p:nvSpPr>
               <p:cNvPr id="23" name="TextBox 22">
@@ -38639,7 +38496,6 @@
               </a:bodyPr>
               <a:lstStyle/>
               <a:p>
-                <a:pPr/>
                 <a14:m>
                   <m:oMath xmlns:m="http://schemas.openxmlformats.org/officeDocument/2006/math">
                     <m:r>
@@ -38772,7 +38628,7 @@
             </p:txBody>
           </p:sp>
         </mc:Choice>
-        <mc:Fallback>
+        <mc:Fallback xmlns="">
           <p:sp>
             <p:nvSpPr>
               <p:cNvPr id="23" name="TextBox 22">
@@ -38817,8 +38673,8 @@
           </p:sp>
         </mc:Fallback>
       </mc:AlternateContent>
-      <mc:AlternateContent xmlns:mc="http://schemas.openxmlformats.org/markup-compatibility/2006">
-        <mc:Choice xmlns:a14="http://schemas.microsoft.com/office/drawing/2010/main" Requires="a14">
+      <mc:AlternateContent xmlns:mc="http://schemas.openxmlformats.org/markup-compatibility/2006" xmlns:a14="http://schemas.microsoft.com/office/drawing/2010/main">
+        <mc:Choice Requires="a14">
           <p:sp>
             <p:nvSpPr>
               <p:cNvPr id="29" name="TextBox 28">
@@ -38847,7 +38703,6 @@
               </a:bodyPr>
               <a:lstStyle/>
               <a:p>
-                <a:pPr/>
                 <a:r>
                   <a:rPr lang="en-US" sz="2000" b="0" dirty="0"/>
                   <a:t>Minimize	</a:t>
@@ -39050,7 +38905,7 @@
             </p:txBody>
           </p:sp>
         </mc:Choice>
-        <mc:Fallback>
+        <mc:Fallback xmlns="">
           <p:sp>
             <p:nvSpPr>
               <p:cNvPr id="29" name="TextBox 28">
@@ -39865,8 +39720,8 @@
           </a:p>
         </p:txBody>
       </p:sp>
-      <mc:AlternateContent xmlns:mc="http://schemas.openxmlformats.org/markup-compatibility/2006">
-        <mc:Choice xmlns:a14="http://schemas.microsoft.com/office/drawing/2010/main" Requires="a14">
+      <mc:AlternateContent xmlns:mc="http://schemas.openxmlformats.org/markup-compatibility/2006" xmlns:a14="http://schemas.microsoft.com/office/drawing/2010/main">
+        <mc:Choice Requires="a14">
           <p:sp>
             <p:nvSpPr>
               <p:cNvPr id="36" name="TextBox 35">
@@ -40145,7 +40000,7 @@
             </p:txBody>
           </p:sp>
         </mc:Choice>
-        <mc:Fallback>
+        <mc:Fallback xmlns="">
           <p:sp>
             <p:nvSpPr>
               <p:cNvPr id="36" name="TextBox 35">
@@ -40307,8 +40162,8 @@
           </a:prstGeom>
         </p:spPr>
       </p:pic>
-      <mc:AlternateContent xmlns:mc="http://schemas.openxmlformats.org/markup-compatibility/2006">
-        <mc:Choice xmlns:a14="http://schemas.microsoft.com/office/drawing/2010/main" Requires="a14">
+      <mc:AlternateContent xmlns:mc="http://schemas.openxmlformats.org/markup-compatibility/2006" xmlns:a14="http://schemas.microsoft.com/office/drawing/2010/main">
+        <mc:Choice Requires="a14">
           <p:sp>
             <p:nvSpPr>
               <p:cNvPr id="29" name="TextBox 28">
@@ -40337,7 +40192,6 @@
               </a:bodyPr>
               <a:lstStyle/>
               <a:p>
-                <a:pPr/>
                 <a:r>
                   <a:rPr lang="en-US" sz="2000" b="0" dirty="0"/>
                   <a:t>Minimize	</a:t>
@@ -40604,7 +40458,7 @@
             </p:txBody>
           </p:sp>
         </mc:Choice>
-        <mc:Fallback>
+        <mc:Fallback xmlns="">
           <p:sp>
             <p:nvSpPr>
               <p:cNvPr id="29" name="TextBox 28">
@@ -40649,8 +40503,8 @@
           </p:sp>
         </mc:Fallback>
       </mc:AlternateContent>
-      <mc:AlternateContent xmlns:mc="http://schemas.openxmlformats.org/markup-compatibility/2006">
-        <mc:Choice xmlns:a14="http://schemas.microsoft.com/office/drawing/2010/main" Requires="a14">
+      <mc:AlternateContent xmlns:mc="http://schemas.openxmlformats.org/markup-compatibility/2006" xmlns:a14="http://schemas.microsoft.com/office/drawing/2010/main">
+        <mc:Choice Requires="a14">
           <p:sp>
             <p:nvSpPr>
               <p:cNvPr id="30" name="TextBox 29">
@@ -40679,7 +40533,6 @@
               </a:bodyPr>
               <a:lstStyle/>
               <a:p>
-                <a:pPr/>
                 <a14:m>
                   <m:oMath xmlns:m="http://schemas.openxmlformats.org/officeDocument/2006/math">
                     <m:r>
@@ -40806,7 +40659,7 @@
             </p:txBody>
           </p:sp>
         </mc:Choice>
-        <mc:Fallback>
+        <mc:Fallback xmlns="">
           <p:sp>
             <p:nvSpPr>
               <p:cNvPr id="30" name="TextBox 29">
@@ -41621,8 +41474,8 @@
           </a:p>
         </p:txBody>
       </p:sp>
-      <mc:AlternateContent xmlns:mc="http://schemas.openxmlformats.org/markup-compatibility/2006">
-        <mc:Choice xmlns:a14="http://schemas.microsoft.com/office/drawing/2010/main" Requires="a14">
+      <mc:AlternateContent xmlns:mc="http://schemas.openxmlformats.org/markup-compatibility/2006" xmlns:a14="http://schemas.microsoft.com/office/drawing/2010/main">
+        <mc:Choice Requires="a14">
           <p:sp>
             <p:nvSpPr>
               <p:cNvPr id="36" name="TextBox 35">
@@ -41782,7 +41635,7 @@
                         <m:begChr m:val="{"/>
                         <m:endChr m:val="}"/>
                         <m:ctrlPr>
-                          <a:rPr lang="en-US" sz="2000" b="0" i="0" smtClean="0">
+                          <a:rPr lang="en-US" sz="2000" b="0" i="1" smtClean="0">
                             <a:latin typeface="Cambria Math" panose="02040503050406030204" pitchFamily="18" charset="0"/>
                           </a:rPr>
                         </m:ctrlPr>
@@ -42192,7 +42045,7 @@
             </p:txBody>
           </p:sp>
         </mc:Choice>
-        <mc:Fallback>
+        <mc:Fallback xmlns="">
           <p:sp>
             <p:nvSpPr>
               <p:cNvPr id="36" name="TextBox 35">
@@ -42354,8 +42207,8 @@
           </a:prstGeom>
         </p:spPr>
       </p:pic>
-      <mc:AlternateContent xmlns:mc="http://schemas.openxmlformats.org/markup-compatibility/2006">
-        <mc:Choice xmlns:a14="http://schemas.microsoft.com/office/drawing/2010/main" Requires="a14">
+      <mc:AlternateContent xmlns:mc="http://schemas.openxmlformats.org/markup-compatibility/2006" xmlns:a14="http://schemas.microsoft.com/office/drawing/2010/main">
+        <mc:Choice Requires="a14">
           <p:sp>
             <p:nvSpPr>
               <p:cNvPr id="29" name="TextBox 28">
@@ -42384,7 +42237,6 @@
               </a:bodyPr>
               <a:lstStyle/>
               <a:p>
-                <a:pPr/>
                 <a:r>
                   <a:rPr lang="en-US" sz="2000" b="0" dirty="0">
                     <a:latin typeface="Corbel" panose="020B0503020204020204" pitchFamily="34" charset="0"/>
@@ -42650,13 +42502,11 @@
                 </a:endParaRPr>
               </a:p>
               <a:p>
-                <a:pPr/>
                 <a:endParaRPr lang="en-US" sz="2000" dirty="0">
                   <a:latin typeface="Corbel" panose="020B0503020204020204" pitchFamily="34" charset="0"/>
                 </a:endParaRPr>
               </a:p>
               <a:p>
-                <a:pPr/>
                 <a:r>
                   <a:rPr lang="en-US" sz="2000" dirty="0">
                     <a:latin typeface="Corbel" panose="020B0503020204020204" pitchFamily="34" charset="0"/>
@@ -43414,7 +43264,7 @@
             </p:txBody>
           </p:sp>
         </mc:Choice>
-        <mc:Fallback>
+        <mc:Fallback xmlns="">
           <p:sp>
             <p:nvSpPr>
               <p:cNvPr id="29" name="TextBox 28">

--- a/Lectures/Lecture 15/Lecture 15.pptx
+++ b/Lectures/Lecture 15/Lecture 15.pptx
@@ -24640,8 +24640,8 @@
           </a:p>
         </p:txBody>
       </p:sp>
-      <mc:AlternateContent xmlns:mc="http://schemas.openxmlformats.org/markup-compatibility/2006">
-        <mc:Choice xmlns:a14="http://schemas.microsoft.com/office/drawing/2010/main" Requires="a14">
+      <mc:AlternateContent xmlns:mc="http://schemas.openxmlformats.org/markup-compatibility/2006" xmlns:a14="http://schemas.microsoft.com/office/drawing/2010/main">
+        <mc:Choice Requires="a14">
           <p:sp>
             <p:nvSpPr>
               <p:cNvPr id="36" name="TextBox 35">
@@ -25417,7 +25417,7 @@
             </p:txBody>
           </p:sp>
         </mc:Choice>
-        <mc:Fallback>
+        <mc:Fallback xmlns="">
           <p:sp>
             <p:nvSpPr>
               <p:cNvPr id="36" name="TextBox 35">
@@ -41474,8 +41474,8 @@
           </a:p>
         </p:txBody>
       </p:sp>
-      <mc:AlternateContent xmlns:mc="http://schemas.openxmlformats.org/markup-compatibility/2006" xmlns:a14="http://schemas.microsoft.com/office/drawing/2010/main">
-        <mc:Choice Requires="a14">
+      <mc:AlternateContent xmlns:mc="http://schemas.openxmlformats.org/markup-compatibility/2006">
+        <mc:Choice xmlns:a14="http://schemas.microsoft.com/office/drawing/2010/main" Requires="a14">
           <p:sp>
             <p:nvSpPr>
               <p:cNvPr id="36" name="TextBox 35">
@@ -41869,84 +41869,6 @@
                             </m:r>
                           </m:sup>
                         </m:sSubSup>
-                        <m:r>
-                          <a:rPr lang="en-US" sz="2000" i="1">
-                            <a:latin typeface="Cambria Math" panose="02040503050406030204" pitchFamily="18" charset="0"/>
-                          </a:rPr>
-                          <m:t>,</m:t>
-                        </m:r>
-                        <m:sSubSup>
-                          <m:sSubSupPr>
-                            <m:ctrlPr>
-                              <a:rPr lang="en-US" sz="2000" i="1">
-                                <a:latin typeface="Cambria Math" panose="02040503050406030204" pitchFamily="18" charset="0"/>
-                              </a:rPr>
-                            </m:ctrlPr>
-                          </m:sSubSupPr>
-                          <m:e>
-                            <m:r>
-                              <a:rPr lang="en-US" sz="2000" i="1">
-                                <a:latin typeface="Cambria Math" panose="02040503050406030204" pitchFamily="18" charset="0"/>
-                              </a:rPr>
-                              <m:t>𝑑</m:t>
-                            </m:r>
-                          </m:e>
-                          <m:sub>
-                            <m:r>
-                              <a:rPr lang="en-US" sz="2000" i="1">
-                                <a:latin typeface="Cambria Math" panose="02040503050406030204" pitchFamily="18" charset="0"/>
-                              </a:rPr>
-                              <m:t>4</m:t>
-                            </m:r>
-                          </m:sub>
-                          <m:sup>
-                            <m:r>
-                              <a:rPr lang="en-US" sz="2000" i="1">
-                                <a:latin typeface="Cambria Math" panose="02040503050406030204" pitchFamily="18" charset="0"/>
-                              </a:rPr>
-                              <m:t>−</m:t>
-                            </m:r>
-                          </m:sup>
-                        </m:sSubSup>
-                        <m:r>
-                          <a:rPr lang="en-US" sz="2000" i="1">
-                            <a:latin typeface="Cambria Math" panose="02040503050406030204" pitchFamily="18" charset="0"/>
-                          </a:rPr>
-                          <m:t>,</m:t>
-                        </m:r>
-                        <m:sSubSup>
-                          <m:sSubSupPr>
-                            <m:ctrlPr>
-                              <a:rPr lang="en-US" sz="2000" i="1">
-                                <a:latin typeface="Cambria Math" panose="02040503050406030204" pitchFamily="18" charset="0"/>
-                              </a:rPr>
-                            </m:ctrlPr>
-                          </m:sSubSupPr>
-                          <m:e>
-                            <m:r>
-                              <a:rPr lang="en-US" sz="2000" i="1">
-                                <a:latin typeface="Cambria Math" panose="02040503050406030204" pitchFamily="18" charset="0"/>
-                              </a:rPr>
-                              <m:t>𝑑</m:t>
-                            </m:r>
-                          </m:e>
-                          <m:sub>
-                            <m:r>
-                              <a:rPr lang="en-US" sz="2000" i="1">
-                                <a:latin typeface="Cambria Math" panose="02040503050406030204" pitchFamily="18" charset="0"/>
-                              </a:rPr>
-                              <m:t>4</m:t>
-                            </m:r>
-                          </m:sub>
-                          <m:sup>
-                            <m:r>
-                              <a:rPr lang="en-US" sz="2000" i="1">
-                                <a:latin typeface="Cambria Math" panose="02040503050406030204" pitchFamily="18" charset="0"/>
-                              </a:rPr>
-                              <m:t>+</m:t>
-                            </m:r>
-                          </m:sup>
-                        </m:sSubSup>
                       </m:e>
                     </m:d>
                   </m:oMath>
@@ -42045,7 +41967,7 @@
             </p:txBody>
           </p:sp>
         </mc:Choice>
-        <mc:Fallback xmlns="">
+        <mc:Fallback>
           <p:sp>
             <p:nvSpPr>
               <p:cNvPr id="36" name="TextBox 35">
@@ -42207,8 +42129,8 @@
           </a:prstGeom>
         </p:spPr>
       </p:pic>
-      <mc:AlternateContent xmlns:mc="http://schemas.openxmlformats.org/markup-compatibility/2006" xmlns:a14="http://schemas.microsoft.com/office/drawing/2010/main">
-        <mc:Choice Requires="a14">
+      <mc:AlternateContent xmlns:mc="http://schemas.openxmlformats.org/markup-compatibility/2006">
+        <mc:Choice xmlns:a14="http://schemas.microsoft.com/office/drawing/2010/main" Requires="a14">
           <p:sp>
             <p:nvSpPr>
               <p:cNvPr id="29" name="TextBox 28">
@@ -43174,84 +43096,6 @@
                       <a:rPr lang="en-US" sz="2000" b="0" i="1" smtClean="0">
                         <a:latin typeface="Cambria Math" panose="02040503050406030204" pitchFamily="18" charset="0"/>
                       </a:rPr>
-                      <m:t>,</m:t>
-                    </m:r>
-                    <m:sSubSup>
-                      <m:sSubSupPr>
-                        <m:ctrlPr>
-                          <a:rPr lang="en-US" sz="2000" i="1">
-                            <a:latin typeface="Cambria Math" panose="02040503050406030204" pitchFamily="18" charset="0"/>
-                          </a:rPr>
-                        </m:ctrlPr>
-                      </m:sSubSupPr>
-                      <m:e>
-                        <m:r>
-                          <a:rPr lang="en-US" sz="2000" i="1">
-                            <a:latin typeface="Cambria Math" panose="02040503050406030204" pitchFamily="18" charset="0"/>
-                          </a:rPr>
-                          <m:t>𝑑</m:t>
-                        </m:r>
-                      </m:e>
-                      <m:sub>
-                        <m:r>
-                          <a:rPr lang="en-US" sz="2000" b="0" i="1" smtClean="0">
-                            <a:latin typeface="Cambria Math" panose="02040503050406030204" pitchFamily="18" charset="0"/>
-                          </a:rPr>
-                          <m:t>4</m:t>
-                        </m:r>
-                      </m:sub>
-                      <m:sup>
-                        <m:r>
-                          <a:rPr lang="en-US" sz="2000" i="1">
-                            <a:latin typeface="Cambria Math" panose="02040503050406030204" pitchFamily="18" charset="0"/>
-                          </a:rPr>
-                          <m:t>−</m:t>
-                        </m:r>
-                      </m:sup>
-                    </m:sSubSup>
-                    <m:r>
-                      <a:rPr lang="en-US" sz="2000" i="1">
-                        <a:latin typeface="Cambria Math" panose="02040503050406030204" pitchFamily="18" charset="0"/>
-                      </a:rPr>
-                      <m:t>,</m:t>
-                    </m:r>
-                    <m:sSubSup>
-                      <m:sSubSupPr>
-                        <m:ctrlPr>
-                          <a:rPr lang="en-US" sz="2000" i="1">
-                            <a:latin typeface="Cambria Math" panose="02040503050406030204" pitchFamily="18" charset="0"/>
-                          </a:rPr>
-                        </m:ctrlPr>
-                      </m:sSubSupPr>
-                      <m:e>
-                        <m:r>
-                          <a:rPr lang="en-US" sz="2000" i="1">
-                            <a:latin typeface="Cambria Math" panose="02040503050406030204" pitchFamily="18" charset="0"/>
-                          </a:rPr>
-                          <m:t>𝑑</m:t>
-                        </m:r>
-                      </m:e>
-                      <m:sub>
-                        <m:r>
-                          <a:rPr lang="en-US" sz="2000" b="0" i="1" smtClean="0">
-                            <a:latin typeface="Cambria Math" panose="02040503050406030204" pitchFamily="18" charset="0"/>
-                          </a:rPr>
-                          <m:t>4</m:t>
-                        </m:r>
-                      </m:sub>
-                      <m:sup>
-                        <m:r>
-                          <a:rPr lang="en-US" sz="2000" i="1">
-                            <a:latin typeface="Cambria Math" panose="02040503050406030204" pitchFamily="18" charset="0"/>
-                          </a:rPr>
-                          <m:t>+</m:t>
-                        </m:r>
-                      </m:sup>
-                    </m:sSubSup>
-                    <m:r>
-                      <a:rPr lang="en-US" sz="2000" b="0" i="1" smtClean="0">
-                        <a:latin typeface="Cambria Math" panose="02040503050406030204" pitchFamily="18" charset="0"/>
-                      </a:rPr>
                       <m:t>≥0</m:t>
                     </m:r>
                   </m:oMath>
@@ -43264,7 +43108,7 @@
             </p:txBody>
           </p:sp>
         </mc:Choice>
-        <mc:Fallback xmlns="">
+        <mc:Fallback>
           <p:sp>
             <p:nvSpPr>
               <p:cNvPr id="29" name="TextBox 28">

--- a/Lectures/Lecture 15/Lecture 15.pptx
+++ b/Lectures/Lecture 15/Lecture 15.pptx
@@ -222,7 +222,7 @@
           <a:p>
             <a:fld id="{467FE51A-BC06-4E6F-B1DA-B477364E598F}" type="datetimeFigureOut">
               <a:rPr lang="en-US" smtClean="0"/>
-              <a:t>2/18/2020</a:t>
+              <a:t>3/5/2021</a:t>
             </a:fld>
             <a:endParaRPr lang="en-US"/>
           </a:p>
@@ -636,7 +636,7 @@
           <a:p>
             <a:fld id="{11C4ABE2-2F1A-4C31-A43A-C3E7CE49CE95}" type="datetimeFigureOut">
               <a:rPr lang="en-US" smtClean="0"/>
-              <a:t>2/18/2020</a:t>
+              <a:t>3/5/2021</a:t>
             </a:fld>
             <a:endParaRPr lang="en-US"/>
           </a:p>
@@ -834,7 +834,7 @@
           <a:p>
             <a:fld id="{11C4ABE2-2F1A-4C31-A43A-C3E7CE49CE95}" type="datetimeFigureOut">
               <a:rPr lang="en-US" smtClean="0"/>
-              <a:t>2/18/2020</a:t>
+              <a:t>3/5/2021</a:t>
             </a:fld>
             <a:endParaRPr lang="en-US"/>
           </a:p>
@@ -1042,7 +1042,7 @@
           <a:p>
             <a:fld id="{11C4ABE2-2F1A-4C31-A43A-C3E7CE49CE95}" type="datetimeFigureOut">
               <a:rPr lang="en-US" smtClean="0"/>
-              <a:t>2/18/2020</a:t>
+              <a:t>3/5/2021</a:t>
             </a:fld>
             <a:endParaRPr lang="en-US"/>
           </a:p>
@@ -1240,7 +1240,7 @@
           <a:p>
             <a:fld id="{11C4ABE2-2F1A-4C31-A43A-C3E7CE49CE95}" type="datetimeFigureOut">
               <a:rPr lang="en-US" smtClean="0"/>
-              <a:t>2/18/2020</a:t>
+              <a:t>3/5/2021</a:t>
             </a:fld>
             <a:endParaRPr lang="en-US"/>
           </a:p>
@@ -1515,7 +1515,7 @@
           <a:p>
             <a:fld id="{11C4ABE2-2F1A-4C31-A43A-C3E7CE49CE95}" type="datetimeFigureOut">
               <a:rPr lang="en-US" smtClean="0"/>
-              <a:t>2/18/2020</a:t>
+              <a:t>3/5/2021</a:t>
             </a:fld>
             <a:endParaRPr lang="en-US"/>
           </a:p>
@@ -1780,7 +1780,7 @@
           <a:p>
             <a:fld id="{11C4ABE2-2F1A-4C31-A43A-C3E7CE49CE95}" type="datetimeFigureOut">
               <a:rPr lang="en-US" smtClean="0"/>
-              <a:t>2/18/2020</a:t>
+              <a:t>3/5/2021</a:t>
             </a:fld>
             <a:endParaRPr lang="en-US"/>
           </a:p>
@@ -2192,7 +2192,7 @@
           <a:p>
             <a:fld id="{11C4ABE2-2F1A-4C31-A43A-C3E7CE49CE95}" type="datetimeFigureOut">
               <a:rPr lang="en-US" smtClean="0"/>
-              <a:t>2/18/2020</a:t>
+              <a:t>3/5/2021</a:t>
             </a:fld>
             <a:endParaRPr lang="en-US"/>
           </a:p>
@@ -2333,7 +2333,7 @@
           <a:p>
             <a:fld id="{11C4ABE2-2F1A-4C31-A43A-C3E7CE49CE95}" type="datetimeFigureOut">
               <a:rPr lang="en-US" smtClean="0"/>
-              <a:t>2/18/2020</a:t>
+              <a:t>3/5/2021</a:t>
             </a:fld>
             <a:endParaRPr lang="en-US"/>
           </a:p>
@@ -2446,7 +2446,7 @@
           <a:p>
             <a:fld id="{11C4ABE2-2F1A-4C31-A43A-C3E7CE49CE95}" type="datetimeFigureOut">
               <a:rPr lang="en-US" smtClean="0"/>
-              <a:t>2/18/2020</a:t>
+              <a:t>3/5/2021</a:t>
             </a:fld>
             <a:endParaRPr lang="en-US"/>
           </a:p>
@@ -2757,7 +2757,7 @@
           <a:p>
             <a:fld id="{11C4ABE2-2F1A-4C31-A43A-C3E7CE49CE95}" type="datetimeFigureOut">
               <a:rPr lang="en-US" smtClean="0"/>
-              <a:t>2/18/2020</a:t>
+              <a:t>3/5/2021</a:t>
             </a:fld>
             <a:endParaRPr lang="en-US"/>
           </a:p>
@@ -3045,7 +3045,7 @@
           <a:p>
             <a:fld id="{11C4ABE2-2F1A-4C31-A43A-C3E7CE49CE95}" type="datetimeFigureOut">
               <a:rPr lang="en-US" smtClean="0"/>
-              <a:t>2/18/2020</a:t>
+              <a:t>3/5/2021</a:t>
             </a:fld>
             <a:endParaRPr lang="en-US"/>
           </a:p>
@@ -3286,7 +3286,7 @@
           <a:p>
             <a:fld id="{11C4ABE2-2F1A-4C31-A43A-C3E7CE49CE95}" type="datetimeFigureOut">
               <a:rPr lang="en-US" smtClean="0"/>
-              <a:t>2/18/2020</a:t>
+              <a:t>3/5/2021</a:t>
             </a:fld>
             <a:endParaRPr lang="en-US"/>
           </a:p>
@@ -10872,6 +10872,12 @@
                         </m:r>
                       </m:sub>
                     </m:sSub>
+                    <m:r>
+                      <a:rPr lang="en-US" sz="2000" b="0" i="1" smtClean="0">
+                        <a:latin typeface="Cambria Math" panose="02040503050406030204" pitchFamily="18" charset="0"/>
+                      </a:rPr>
+                      <m:t>(</m:t>
+                    </m:r>
                     <m:sSubSup>
                       <m:sSubSupPr>
                         <m:ctrlPr>
@@ -10919,31 +10925,6 @@
                 </a:r>
                 <a14:m>
                   <m:oMath xmlns:m="http://schemas.openxmlformats.org/officeDocument/2006/math">
-                    <m:sSub>
-                      <m:sSubPr>
-                        <m:ctrlPr>
-                          <a:rPr lang="en-US" sz="2000" i="1">
-                            <a:latin typeface="Cambria Math" panose="02040503050406030204" pitchFamily="18" charset="0"/>
-                          </a:rPr>
-                        </m:ctrlPr>
-                      </m:sSubPr>
-                      <m:e>
-                        <m:r>
-                          <a:rPr lang="en-US" sz="2000" i="1">
-                            <a:latin typeface="Cambria Math" panose="02040503050406030204" pitchFamily="18" charset="0"/>
-                          </a:rPr>
-                          <m:t>𝑃</m:t>
-                        </m:r>
-                      </m:e>
-                      <m:sub>
-                        <m:r>
-                          <a:rPr lang="en-US" sz="2000" i="1">
-                            <a:latin typeface="Cambria Math" panose="02040503050406030204" pitchFamily="18" charset="0"/>
-                          </a:rPr>
-                          <m:t>5</m:t>
-                        </m:r>
-                      </m:sub>
-                    </m:sSub>
                     <m:sSubSup>
                       <m:sSubSupPr>
                         <m:ctrlPr>
@@ -10982,6 +10963,12 @@
                         <a:latin typeface="Cambria Math" panose="02040503050406030204" pitchFamily="18" charset="0"/>
                       </a:rPr>
                       <m:t> </m:t>
+                    </m:r>
+                    <m:r>
+                      <a:rPr lang="en-US" sz="2000" b="0" i="1" smtClean="0">
+                        <a:latin typeface="Cambria Math" panose="02040503050406030204" pitchFamily="18" charset="0"/>
+                      </a:rPr>
+                      <m:t>)</m:t>
                     </m:r>
                   </m:oMath>
                 </a14:m>
@@ -11328,7 +11315,7 @@
                       <a:rPr lang="en-US" sz="2000" b="0" i="1" smtClean="0">
                         <a:latin typeface="Cambria Math" panose="02040503050406030204" pitchFamily="18" charset="0"/>
                       </a:rPr>
-                      <m:t>,</m:t>
+                      <m:t>, </m:t>
                     </m:r>
                     <m:sSub>
                       <m:sSubPr>
@@ -11343,12 +11330,6 @@
                           <a:rPr lang="en-US" sz="2000" b="0" i="1" smtClean="0">
                             <a:latin typeface="Cambria Math" panose="02040503050406030204" pitchFamily="18" charset="0"/>
                           </a:rPr>
-                          <m:t>4</m:t>
-                        </m:r>
-                        <m:r>
-                          <a:rPr lang="en-US" sz="2000" b="0" i="1" smtClean="0">
-                            <a:latin typeface="Cambria Math" panose="02040503050406030204" pitchFamily="18" charset="0"/>
-                          </a:rPr>
                           <m:t>𝑃</m:t>
                         </m:r>
                       </m:e>
@@ -11361,6 +11342,12 @@
                         </m:r>
                       </m:sub>
                     </m:sSub>
+                    <m:r>
+                      <a:rPr lang="en-US" sz="2000" b="0" i="1" smtClean="0">
+                        <a:latin typeface="Cambria Math" panose="02040503050406030204" pitchFamily="18" charset="0"/>
+                      </a:rPr>
+                      <m:t>(4</m:t>
+                    </m:r>
                     <m:sSubSup>
                       <m:sSubSupPr>
                         <m:ctrlPr>
@@ -11404,41 +11391,10 @@
                 </a14:m>
                 <a:r>
                   <a:rPr lang="en-US" sz="2000" dirty="0"/>
-                  <a:t> </a:t>
+                  <a:t> 5</a:t>
                 </a:r>
                 <a14:m>
                   <m:oMath xmlns:m="http://schemas.openxmlformats.org/officeDocument/2006/math">
-                    <m:sSub>
-                      <m:sSubPr>
-                        <m:ctrlPr>
-                          <a:rPr lang="en-US" sz="2000" i="1">
-                            <a:latin typeface="Cambria Math" panose="02040503050406030204" pitchFamily="18" charset="0"/>
-                          </a:rPr>
-                        </m:ctrlPr>
-                      </m:sSubPr>
-                      <m:e>
-                        <m:r>
-                          <a:rPr lang="en-US" sz="2000" b="0" i="1" smtClean="0">
-                            <a:latin typeface="Cambria Math" panose="02040503050406030204" pitchFamily="18" charset="0"/>
-                          </a:rPr>
-                          <m:t>5</m:t>
-                        </m:r>
-                        <m:r>
-                          <a:rPr lang="en-US" sz="2000" i="1">
-                            <a:latin typeface="Cambria Math" panose="02040503050406030204" pitchFamily="18" charset="0"/>
-                          </a:rPr>
-                          <m:t>𝑃</m:t>
-                        </m:r>
-                      </m:e>
-                      <m:sub>
-                        <m:r>
-                          <a:rPr lang="en-US" sz="2000" i="1">
-                            <a:latin typeface="Cambria Math" panose="02040503050406030204" pitchFamily="18" charset="0"/>
-                          </a:rPr>
-                          <m:t>5</m:t>
-                        </m:r>
-                      </m:sub>
-                    </m:sSub>
                     <m:sSubSup>
                       <m:sSubSupPr>
                         <m:ctrlPr>
@@ -11472,6 +11428,12 @@
                         </m:r>
                       </m:sup>
                     </m:sSubSup>
+                    <m:r>
+                      <a:rPr lang="en-US" sz="2000" b="0" i="1" smtClean="0">
+                        <a:latin typeface="Cambria Math" panose="02040503050406030204" pitchFamily="18" charset="0"/>
+                      </a:rPr>
+                      <m:t>)</m:t>
+                    </m:r>
                     <m:r>
                       <a:rPr lang="en-US" sz="2000" i="1">
                         <a:latin typeface="Cambria Math" panose="02040503050406030204" pitchFamily="18" charset="0"/>

--- a/Lectures/Lecture 15/Lecture 15.pptx
+++ b/Lectures/Lecture 15/Lecture 15.pptx
@@ -222,7 +222,7 @@
           <a:p>
             <a:fld id="{467FE51A-BC06-4E6F-B1DA-B477364E598F}" type="datetimeFigureOut">
               <a:rPr lang="en-US" smtClean="0"/>
-              <a:t>3/5/2021</a:t>
+              <a:t>3/8/2021</a:t>
             </a:fld>
             <a:endParaRPr lang="en-US"/>
           </a:p>
@@ -636,7 +636,7 @@
           <a:p>
             <a:fld id="{11C4ABE2-2F1A-4C31-A43A-C3E7CE49CE95}" type="datetimeFigureOut">
               <a:rPr lang="en-US" smtClean="0"/>
-              <a:t>3/5/2021</a:t>
+              <a:t>3/8/2021</a:t>
             </a:fld>
             <a:endParaRPr lang="en-US"/>
           </a:p>
@@ -834,7 +834,7 @@
           <a:p>
             <a:fld id="{11C4ABE2-2F1A-4C31-A43A-C3E7CE49CE95}" type="datetimeFigureOut">
               <a:rPr lang="en-US" smtClean="0"/>
-              <a:t>3/5/2021</a:t>
+              <a:t>3/8/2021</a:t>
             </a:fld>
             <a:endParaRPr lang="en-US"/>
           </a:p>
@@ -1042,7 +1042,7 @@
           <a:p>
             <a:fld id="{11C4ABE2-2F1A-4C31-A43A-C3E7CE49CE95}" type="datetimeFigureOut">
               <a:rPr lang="en-US" smtClean="0"/>
-              <a:t>3/5/2021</a:t>
+              <a:t>3/8/2021</a:t>
             </a:fld>
             <a:endParaRPr lang="en-US"/>
           </a:p>
@@ -1240,7 +1240,7 @@
           <a:p>
             <a:fld id="{11C4ABE2-2F1A-4C31-A43A-C3E7CE49CE95}" type="datetimeFigureOut">
               <a:rPr lang="en-US" smtClean="0"/>
-              <a:t>3/5/2021</a:t>
+              <a:t>3/8/2021</a:t>
             </a:fld>
             <a:endParaRPr lang="en-US"/>
           </a:p>
@@ -1515,7 +1515,7 @@
           <a:p>
             <a:fld id="{11C4ABE2-2F1A-4C31-A43A-C3E7CE49CE95}" type="datetimeFigureOut">
               <a:rPr lang="en-US" smtClean="0"/>
-              <a:t>3/5/2021</a:t>
+              <a:t>3/8/2021</a:t>
             </a:fld>
             <a:endParaRPr lang="en-US"/>
           </a:p>
@@ -1780,7 +1780,7 @@
           <a:p>
             <a:fld id="{11C4ABE2-2F1A-4C31-A43A-C3E7CE49CE95}" type="datetimeFigureOut">
               <a:rPr lang="en-US" smtClean="0"/>
-              <a:t>3/5/2021</a:t>
+              <a:t>3/8/2021</a:t>
             </a:fld>
             <a:endParaRPr lang="en-US"/>
           </a:p>
@@ -2192,7 +2192,7 @@
           <a:p>
             <a:fld id="{11C4ABE2-2F1A-4C31-A43A-C3E7CE49CE95}" type="datetimeFigureOut">
               <a:rPr lang="en-US" smtClean="0"/>
-              <a:t>3/5/2021</a:t>
+              <a:t>3/8/2021</a:t>
             </a:fld>
             <a:endParaRPr lang="en-US"/>
           </a:p>
@@ -2333,7 +2333,7 @@
           <a:p>
             <a:fld id="{11C4ABE2-2F1A-4C31-A43A-C3E7CE49CE95}" type="datetimeFigureOut">
               <a:rPr lang="en-US" smtClean="0"/>
-              <a:t>3/5/2021</a:t>
+              <a:t>3/8/2021</a:t>
             </a:fld>
             <a:endParaRPr lang="en-US"/>
           </a:p>
@@ -2446,7 +2446,7 @@
           <a:p>
             <a:fld id="{11C4ABE2-2F1A-4C31-A43A-C3E7CE49CE95}" type="datetimeFigureOut">
               <a:rPr lang="en-US" smtClean="0"/>
-              <a:t>3/5/2021</a:t>
+              <a:t>3/8/2021</a:t>
             </a:fld>
             <a:endParaRPr lang="en-US"/>
           </a:p>
@@ -2757,7 +2757,7 @@
           <a:p>
             <a:fld id="{11C4ABE2-2F1A-4C31-A43A-C3E7CE49CE95}" type="datetimeFigureOut">
               <a:rPr lang="en-US" smtClean="0"/>
-              <a:t>3/5/2021</a:t>
+              <a:t>3/8/2021</a:t>
             </a:fld>
             <a:endParaRPr lang="en-US"/>
           </a:p>
@@ -3045,7 +3045,7 @@
           <a:p>
             <a:fld id="{11C4ABE2-2F1A-4C31-A43A-C3E7CE49CE95}" type="datetimeFigureOut">
               <a:rPr lang="en-US" smtClean="0"/>
-              <a:t>3/5/2021</a:t>
+              <a:t>3/8/2021</a:t>
             </a:fld>
             <a:endParaRPr lang="en-US"/>
           </a:p>
@@ -3286,7 +3286,7 @@
           <a:p>
             <a:fld id="{11C4ABE2-2F1A-4C31-A43A-C3E7CE49CE95}" type="datetimeFigureOut">
               <a:rPr lang="en-US" smtClean="0"/>
-              <a:t>3/5/2021</a:t>
+              <a:t>3/8/2021</a:t>
             </a:fld>
             <a:endParaRPr lang="en-US"/>
           </a:p>
@@ -6475,8 +6475,8 @@
           </a:p>
         </p:txBody>
       </p:sp>
-      <mc:AlternateContent xmlns:mc="http://schemas.openxmlformats.org/markup-compatibility/2006" xmlns:a14="http://schemas.microsoft.com/office/drawing/2010/main">
-        <mc:Choice Requires="a14">
+      <mc:AlternateContent xmlns:mc="http://schemas.openxmlformats.org/markup-compatibility/2006">
+        <mc:Choice xmlns:a14="http://schemas.microsoft.com/office/drawing/2010/main" Requires="a14">
           <p:sp>
             <p:nvSpPr>
               <p:cNvPr id="36" name="TextBox 35">
@@ -6516,7 +6516,25 @@
                     </a:solidFill>
                     <a:latin typeface="Corbel" panose="020B0503020204020204" pitchFamily="34" charset="0"/>
                   </a:rPr>
-                  <a:t>Modification 1: Maximum of 10 hours of overtime</a:t>
+                  <a:t>Modification 1: Prefer </a:t>
+                </a:r>
+                <a:r>
+                  <a:rPr lang="en-US" sz="2000" dirty="0">
+                    <a:solidFill>
+                      <a:srgbClr val="A71B86"/>
+                    </a:solidFill>
+                    <a:latin typeface="Corbel" panose="020B0503020204020204" pitchFamily="34" charset="0"/>
+                  </a:rPr>
+                  <a:t>no more</a:t>
+                </a:r>
+                <a:r>
+                  <a:rPr lang="en-US" sz="2000" dirty="0">
+                    <a:solidFill>
+                      <a:srgbClr val="404040"/>
+                    </a:solidFill>
+                    <a:latin typeface="Corbel" panose="020B0503020204020204" pitchFamily="34" charset="0"/>
+                  </a:rPr>
+                  <a:t> than 10 hours of overtime</a:t>
                 </a:r>
               </a:p>
               <a:p>
@@ -6955,7 +6973,7 @@
             </p:txBody>
           </p:sp>
         </mc:Choice>
-        <mc:Fallback xmlns="">
+        <mc:Fallback>
           <p:sp>
             <p:nvSpPr>
               <p:cNvPr id="36" name="TextBox 35">
@@ -8657,8 +8675,8 @@
           </a:p>
         </p:txBody>
       </p:sp>
-      <mc:AlternateContent xmlns:mc="http://schemas.openxmlformats.org/markup-compatibility/2006" xmlns:a14="http://schemas.microsoft.com/office/drawing/2010/main">
-        <mc:Choice Requires="a14">
+      <mc:AlternateContent xmlns:mc="http://schemas.openxmlformats.org/markup-compatibility/2006">
+        <mc:Choice xmlns:a14="http://schemas.microsoft.com/office/drawing/2010/main" Requires="a14">
           <p:sp>
             <p:nvSpPr>
               <p:cNvPr id="36" name="TextBox 35">
@@ -8698,7 +8716,25 @@
                     </a:solidFill>
                     <a:latin typeface="Corbel" panose="020B0503020204020204" pitchFamily="34" charset="0"/>
                   </a:rPr>
-                  <a:t>Modification 2: Maximum number of bowls and mugs made daily</a:t>
+                  <a:t>Modification 2: </a:t>
+                </a:r>
+                <a:r>
+                  <a:rPr lang="en-US" sz="2000" dirty="0">
+                    <a:solidFill>
+                      <a:srgbClr val="A71B86"/>
+                    </a:solidFill>
+                    <a:latin typeface="Corbel" panose="020B0503020204020204" pitchFamily="34" charset="0"/>
+                  </a:rPr>
+                  <a:t>Maximum</a:t>
+                </a:r>
+                <a:r>
+                  <a:rPr lang="en-US" sz="2000" dirty="0">
+                    <a:solidFill>
+                      <a:srgbClr val="404040"/>
+                    </a:solidFill>
+                    <a:latin typeface="Corbel" panose="020B0503020204020204" pitchFamily="34" charset="0"/>
+                  </a:rPr>
+                  <a:t> number of bowls and mugs made daily</a:t>
                 </a:r>
               </a:p>
               <a:p>
@@ -8746,7 +8782,7 @@
                     </a:solidFill>
                     <a:latin typeface="Corbel" panose="020B0503020204020204" pitchFamily="34" charset="0"/>
                   </a:rPr>
-                  <a:t>They can only produce at most 30 bowls and 20 mugs each day</a:t>
+                  <a:t>They can only store at most 30 bowls and 20 mugs each day</a:t>
                 </a:r>
               </a:p>
               <a:p>
@@ -9044,7 +9080,7 @@
             </p:txBody>
           </p:sp>
         </mc:Choice>
-        <mc:Fallback xmlns="">
+        <mc:Fallback>
           <p:sp>
             <p:nvSpPr>
               <p:cNvPr id="36" name="TextBox 35">
@@ -21308,8 +21344,8 @@
           </a:p>
         </p:txBody>
       </p:sp>
-      <mc:AlternateContent xmlns:mc="http://schemas.openxmlformats.org/markup-compatibility/2006" xmlns:a14="http://schemas.microsoft.com/office/drawing/2010/main">
-        <mc:Choice Requires="a14">
+      <mc:AlternateContent xmlns:mc="http://schemas.openxmlformats.org/markup-compatibility/2006">
+        <mc:Choice xmlns:a14="http://schemas.microsoft.com/office/drawing/2010/main" Requires="a14">
           <p:sp>
             <p:nvSpPr>
               <p:cNvPr id="36" name="TextBox 35">
@@ -21349,7 +21385,25 @@
                     </a:solidFill>
                     <a:latin typeface="Corbel" panose="020B0503020204020204" pitchFamily="34" charset="0"/>
                   </a:rPr>
-                  <a:t>Goal 2: Achieve daily profit of $1,600</a:t>
+                  <a:t>Goal 2: </a:t>
+                </a:r>
+                <a:r>
+                  <a:rPr lang="en-US" sz="2000" dirty="0">
+                    <a:solidFill>
+                      <a:srgbClr val="A71B86"/>
+                    </a:solidFill>
+                    <a:latin typeface="Corbel" panose="020B0503020204020204" pitchFamily="34" charset="0"/>
+                  </a:rPr>
+                  <a:t>Achieve</a:t>
+                </a:r>
+                <a:r>
+                  <a:rPr lang="en-US" sz="2000" dirty="0">
+                    <a:solidFill>
+                      <a:srgbClr val="404040"/>
+                    </a:solidFill>
+                    <a:latin typeface="Corbel" panose="020B0503020204020204" pitchFamily="34" charset="0"/>
+                  </a:rPr>
+                  <a:t> daily profit of $1,600</a:t>
                 </a:r>
               </a:p>
               <a:p>
@@ -21822,7 +21876,7 @@
             </p:txBody>
           </p:sp>
         </mc:Choice>
-        <mc:Fallback xmlns="">
+        <mc:Fallback>
           <p:sp>
             <p:nvSpPr>
               <p:cNvPr id="36" name="TextBox 35">

--- a/Lectures/Lecture 15/Lecture 15.pptx
+++ b/Lectures/Lecture 15/Lecture 15.pptx
@@ -222,7 +222,7 @@
           <a:p>
             <a:fld id="{467FE51A-BC06-4E6F-B1DA-B477364E598F}" type="datetimeFigureOut">
               <a:rPr lang="en-US" smtClean="0"/>
-              <a:t>3/8/2021</a:t>
+              <a:t>3/9/2021</a:t>
             </a:fld>
             <a:endParaRPr lang="en-US"/>
           </a:p>
@@ -636,7 +636,7 @@
           <a:p>
             <a:fld id="{11C4ABE2-2F1A-4C31-A43A-C3E7CE49CE95}" type="datetimeFigureOut">
               <a:rPr lang="en-US" smtClean="0"/>
-              <a:t>3/8/2021</a:t>
+              <a:t>3/9/2021</a:t>
             </a:fld>
             <a:endParaRPr lang="en-US"/>
           </a:p>
@@ -834,7 +834,7 @@
           <a:p>
             <a:fld id="{11C4ABE2-2F1A-4C31-A43A-C3E7CE49CE95}" type="datetimeFigureOut">
               <a:rPr lang="en-US" smtClean="0"/>
-              <a:t>3/8/2021</a:t>
+              <a:t>3/9/2021</a:t>
             </a:fld>
             <a:endParaRPr lang="en-US"/>
           </a:p>
@@ -1042,7 +1042,7 @@
           <a:p>
             <a:fld id="{11C4ABE2-2F1A-4C31-A43A-C3E7CE49CE95}" type="datetimeFigureOut">
               <a:rPr lang="en-US" smtClean="0"/>
-              <a:t>3/8/2021</a:t>
+              <a:t>3/9/2021</a:t>
             </a:fld>
             <a:endParaRPr lang="en-US"/>
           </a:p>
@@ -1240,7 +1240,7 @@
           <a:p>
             <a:fld id="{11C4ABE2-2F1A-4C31-A43A-C3E7CE49CE95}" type="datetimeFigureOut">
               <a:rPr lang="en-US" smtClean="0"/>
-              <a:t>3/8/2021</a:t>
+              <a:t>3/9/2021</a:t>
             </a:fld>
             <a:endParaRPr lang="en-US"/>
           </a:p>
@@ -1515,7 +1515,7 @@
           <a:p>
             <a:fld id="{11C4ABE2-2F1A-4C31-A43A-C3E7CE49CE95}" type="datetimeFigureOut">
               <a:rPr lang="en-US" smtClean="0"/>
-              <a:t>3/8/2021</a:t>
+              <a:t>3/9/2021</a:t>
             </a:fld>
             <a:endParaRPr lang="en-US"/>
           </a:p>
@@ -1780,7 +1780,7 @@
           <a:p>
             <a:fld id="{11C4ABE2-2F1A-4C31-A43A-C3E7CE49CE95}" type="datetimeFigureOut">
               <a:rPr lang="en-US" smtClean="0"/>
-              <a:t>3/8/2021</a:t>
+              <a:t>3/9/2021</a:t>
             </a:fld>
             <a:endParaRPr lang="en-US"/>
           </a:p>
@@ -2192,7 +2192,7 @@
           <a:p>
             <a:fld id="{11C4ABE2-2F1A-4C31-A43A-C3E7CE49CE95}" type="datetimeFigureOut">
               <a:rPr lang="en-US" smtClean="0"/>
-              <a:t>3/8/2021</a:t>
+              <a:t>3/9/2021</a:t>
             </a:fld>
             <a:endParaRPr lang="en-US"/>
           </a:p>
@@ -2333,7 +2333,7 @@
           <a:p>
             <a:fld id="{11C4ABE2-2F1A-4C31-A43A-C3E7CE49CE95}" type="datetimeFigureOut">
               <a:rPr lang="en-US" smtClean="0"/>
-              <a:t>3/8/2021</a:t>
+              <a:t>3/9/2021</a:t>
             </a:fld>
             <a:endParaRPr lang="en-US"/>
           </a:p>
@@ -2446,7 +2446,7 @@
           <a:p>
             <a:fld id="{11C4ABE2-2F1A-4C31-A43A-C3E7CE49CE95}" type="datetimeFigureOut">
               <a:rPr lang="en-US" smtClean="0"/>
-              <a:t>3/8/2021</a:t>
+              <a:t>3/9/2021</a:t>
             </a:fld>
             <a:endParaRPr lang="en-US"/>
           </a:p>
@@ -2757,7 +2757,7 @@
           <a:p>
             <a:fld id="{11C4ABE2-2F1A-4C31-A43A-C3E7CE49CE95}" type="datetimeFigureOut">
               <a:rPr lang="en-US" smtClean="0"/>
-              <a:t>3/8/2021</a:t>
+              <a:t>3/9/2021</a:t>
             </a:fld>
             <a:endParaRPr lang="en-US"/>
           </a:p>
@@ -3045,7 +3045,7 @@
           <a:p>
             <a:fld id="{11C4ABE2-2F1A-4C31-A43A-C3E7CE49CE95}" type="datetimeFigureOut">
               <a:rPr lang="en-US" smtClean="0"/>
-              <a:t>3/8/2021</a:t>
+              <a:t>3/9/2021</a:t>
             </a:fld>
             <a:endParaRPr lang="en-US"/>
           </a:p>
@@ -3286,7 +3286,7 @@
           <a:p>
             <a:fld id="{11C4ABE2-2F1A-4C31-A43A-C3E7CE49CE95}" type="datetimeFigureOut">
               <a:rPr lang="en-US" smtClean="0"/>
-              <a:t>3/8/2021</a:t>
+              <a:t>3/9/2021</a:t>
             </a:fld>
             <a:endParaRPr lang="en-US"/>
           </a:p>
@@ -6475,8 +6475,8 @@
           </a:p>
         </p:txBody>
       </p:sp>
-      <mc:AlternateContent xmlns:mc="http://schemas.openxmlformats.org/markup-compatibility/2006">
-        <mc:Choice xmlns:a14="http://schemas.microsoft.com/office/drawing/2010/main" Requires="a14">
+      <mc:AlternateContent xmlns:mc="http://schemas.openxmlformats.org/markup-compatibility/2006" xmlns:a14="http://schemas.microsoft.com/office/drawing/2010/main">
+        <mc:Choice Requires="a14">
           <p:sp>
             <p:nvSpPr>
               <p:cNvPr id="36" name="TextBox 35">
@@ -6973,7 +6973,7 @@
             </p:txBody>
           </p:sp>
         </mc:Choice>
-        <mc:Fallback>
+        <mc:Fallback xmlns="">
           <p:sp>
             <p:nvSpPr>
               <p:cNvPr id="36" name="TextBox 35">
@@ -8675,8 +8675,8 @@
           </a:p>
         </p:txBody>
       </p:sp>
-      <mc:AlternateContent xmlns:mc="http://schemas.openxmlformats.org/markup-compatibility/2006">
-        <mc:Choice xmlns:a14="http://schemas.microsoft.com/office/drawing/2010/main" Requires="a14">
+      <mc:AlternateContent xmlns:mc="http://schemas.openxmlformats.org/markup-compatibility/2006" xmlns:a14="http://schemas.microsoft.com/office/drawing/2010/main">
+        <mc:Choice Requires="a14">
           <p:sp>
             <p:nvSpPr>
               <p:cNvPr id="36" name="TextBox 35">
@@ -9080,7 +9080,7 @@
             </p:txBody>
           </p:sp>
         </mc:Choice>
-        <mc:Fallback>
+        <mc:Fallback xmlns="">
           <p:sp>
             <p:nvSpPr>
               <p:cNvPr id="36" name="TextBox 35">
@@ -12462,8 +12462,8 @@
           </a:prstGeom>
         </p:spPr>
       </p:pic>
-      <mc:AlternateContent xmlns:mc="http://schemas.openxmlformats.org/markup-compatibility/2006" xmlns:a14="http://schemas.microsoft.com/office/drawing/2010/main">
-        <mc:Choice Requires="a14">
+      <mc:AlternateContent xmlns:mc="http://schemas.openxmlformats.org/markup-compatibility/2006">
+        <mc:Choice xmlns:a14="http://schemas.microsoft.com/office/drawing/2010/main" Requires="a14">
           <p:sp>
             <p:nvSpPr>
               <p:cNvPr id="30" name="TextBox 29">
@@ -12769,12 +12769,6 @@
                           <a:rPr lang="en-US" sz="2000" i="1">
                             <a:latin typeface="Cambria Math" panose="02040503050406030204" pitchFamily="18" charset="0"/>
                           </a:rPr>
-                          <m:t>4</m:t>
-                        </m:r>
-                        <m:r>
-                          <a:rPr lang="en-US" sz="2000" i="1">
-                            <a:latin typeface="Cambria Math" panose="02040503050406030204" pitchFamily="18" charset="0"/>
-                          </a:rPr>
                           <m:t>𝑃</m:t>
                         </m:r>
                       </m:e>
@@ -12787,6 +12781,12 @@
                         </m:r>
                       </m:sub>
                     </m:sSub>
+                    <m:r>
+                      <a:rPr lang="en-US" sz="2000" i="1">
+                        <a:latin typeface="Cambria Math" panose="02040503050406030204" pitchFamily="18" charset="0"/>
+                      </a:rPr>
+                      <m:t>(4</m:t>
+                    </m:r>
                     <m:sSubSup>
                       <m:sSubSupPr>
                         <m:ctrlPr>
@@ -12831,39 +12831,8 @@
                         <m:nor/>
                       </m:rPr>
                       <a:rPr lang="en-US" sz="2000" dirty="0"/>
-                      <m:t> </m:t>
+                      <m:t> 5</m:t>
                     </m:r>
-                    <m:sSub>
-                      <m:sSubPr>
-                        <m:ctrlPr>
-                          <a:rPr lang="en-US" sz="2000" i="1">
-                            <a:latin typeface="Cambria Math" panose="02040503050406030204" pitchFamily="18" charset="0"/>
-                          </a:rPr>
-                        </m:ctrlPr>
-                      </m:sSubPr>
-                      <m:e>
-                        <m:r>
-                          <a:rPr lang="en-US" sz="2000" i="1">
-                            <a:latin typeface="Cambria Math" panose="02040503050406030204" pitchFamily="18" charset="0"/>
-                          </a:rPr>
-                          <m:t>5</m:t>
-                        </m:r>
-                        <m:r>
-                          <a:rPr lang="en-US" sz="2000" i="1">
-                            <a:latin typeface="Cambria Math" panose="02040503050406030204" pitchFamily="18" charset="0"/>
-                          </a:rPr>
-                          <m:t>𝑃</m:t>
-                        </m:r>
-                      </m:e>
-                      <m:sub>
-                        <m:r>
-                          <a:rPr lang="en-US" sz="2000" i="1">
-                            <a:latin typeface="Cambria Math" panose="02040503050406030204" pitchFamily="18" charset="0"/>
-                          </a:rPr>
-                          <m:t>5</m:t>
-                        </m:r>
-                      </m:sub>
-                    </m:sSub>
                     <m:sSubSup>
                       <m:sSubSupPr>
                         <m:ctrlPr>
@@ -12897,6 +12866,12 @@
                         </m:r>
                       </m:sup>
                     </m:sSubSup>
+                    <m:r>
+                      <a:rPr lang="en-US" sz="2000" i="1">
+                        <a:latin typeface="Cambria Math" panose="02040503050406030204" pitchFamily="18" charset="0"/>
+                      </a:rPr>
+                      <m:t>)</m:t>
+                    </m:r>
                   </m:oMath>
                 </a14:m>
                 <a:endParaRPr lang="en-US" sz="2000" dirty="0">
@@ -14041,7 +14016,7 @@
             </p:txBody>
           </p:sp>
         </mc:Choice>
-        <mc:Fallback xmlns="">
+        <mc:Fallback>
           <p:sp>
             <p:nvSpPr>
               <p:cNvPr id="30" name="TextBox 29">
@@ -21344,8 +21319,8 @@
           </a:p>
         </p:txBody>
       </p:sp>
-      <mc:AlternateContent xmlns:mc="http://schemas.openxmlformats.org/markup-compatibility/2006">
-        <mc:Choice xmlns:a14="http://schemas.microsoft.com/office/drawing/2010/main" Requires="a14">
+      <mc:AlternateContent xmlns:mc="http://schemas.openxmlformats.org/markup-compatibility/2006" xmlns:a14="http://schemas.microsoft.com/office/drawing/2010/main">
+        <mc:Choice Requires="a14">
           <p:sp>
             <p:nvSpPr>
               <p:cNvPr id="36" name="TextBox 35">
@@ -21876,7 +21851,7 @@
             </p:txBody>
           </p:sp>
         </mc:Choice>
-        <mc:Fallback>
+        <mc:Fallback xmlns="">
           <p:sp>
             <p:nvSpPr>
               <p:cNvPr id="36" name="TextBox 35">
